--- a/Summary/20220815_microbiome_demographic_slides.pptx
+++ b/Summary/20220815_microbiome_demographic_slides.pptx
@@ -5,23 +5,28 @@
     <p:sldMasterId id="2147483648" r:id="rId1"/>
   </p:sldMasterIdLst>
   <p:notesMasterIdLst>
-    <p:notesMasterId r:id="rId16"/>
+    <p:notesMasterId r:id="rId21"/>
   </p:notesMasterIdLst>
   <p:sldIdLst>
     <p:sldId id="256" r:id="rId2"/>
     <p:sldId id="366" r:id="rId3"/>
     <p:sldId id="367" r:id="rId4"/>
-    <p:sldId id="369" r:id="rId5"/>
-    <p:sldId id="372" r:id="rId6"/>
-    <p:sldId id="373" r:id="rId7"/>
-    <p:sldId id="374" r:id="rId8"/>
-    <p:sldId id="375" r:id="rId9"/>
-    <p:sldId id="376" r:id="rId10"/>
-    <p:sldId id="377" r:id="rId11"/>
-    <p:sldId id="368" r:id="rId12"/>
-    <p:sldId id="378" r:id="rId13"/>
-    <p:sldId id="371" r:id="rId14"/>
-    <p:sldId id="370" r:id="rId15"/>
+    <p:sldId id="380" r:id="rId5"/>
+    <p:sldId id="369" r:id="rId6"/>
+    <p:sldId id="372" r:id="rId7"/>
+    <p:sldId id="373" r:id="rId8"/>
+    <p:sldId id="374" r:id="rId9"/>
+    <p:sldId id="375" r:id="rId10"/>
+    <p:sldId id="376" r:id="rId11"/>
+    <p:sldId id="377" r:id="rId12"/>
+    <p:sldId id="368" r:id="rId13"/>
+    <p:sldId id="381" r:id="rId14"/>
+    <p:sldId id="378" r:id="rId15"/>
+    <p:sldId id="379" r:id="rId16"/>
+    <p:sldId id="371" r:id="rId17"/>
+    <p:sldId id="370" r:id="rId18"/>
+    <p:sldId id="382" r:id="rId19"/>
+    <p:sldId id="383" r:id="rId20"/>
   </p:sldIdLst>
   <p:sldSz cx="12192000" cy="6858000"/>
   <p:notesSz cx="6858000" cy="9144000"/>
@@ -128,6 +133,7 @@
             <p14:sldId id="256"/>
             <p14:sldId id="366"/>
             <p14:sldId id="367"/>
+            <p14:sldId id="380"/>
             <p14:sldId id="369"/>
             <p14:sldId id="372"/>
             <p14:sldId id="373"/>
@@ -136,9 +142,13 @@
             <p14:sldId id="376"/>
             <p14:sldId id="377"/>
             <p14:sldId id="368"/>
+            <p14:sldId id="381"/>
             <p14:sldId id="378"/>
+            <p14:sldId id="379"/>
             <p14:sldId id="371"/>
             <p14:sldId id="370"/>
+            <p14:sldId id="382"/>
+            <p14:sldId id="383"/>
           </p14:sldIdLst>
         </p14:section>
       </p14:sectionLst>
@@ -153,7 +163,7 @@
 <file path=ppt/revisionInfo.xml><?xml version="1.0" encoding="utf-8"?>
 <p1510:revInfo xmlns:a="http://schemas.openxmlformats.org/drawingml/2006/main" xmlns:r="http://schemas.openxmlformats.org/officeDocument/2006/relationships" xmlns:p1510="http://schemas.microsoft.com/office/powerpoint/2015/10/main">
   <p1510:revLst>
-    <p1510:client id="{7E5BA9B4-78E1-47CD-98AB-DC3C4435B33A}" v="24" dt="2022-08-15T16:13:27.845"/>
+    <p1510:client id="{7E5BA9B4-78E1-47CD-98AB-DC3C4435B33A}" v="41" dt="2022-08-15T22:07:27.021"/>
   </p1510:revLst>
 </p1510:revInfo>
 </file>
@@ -162,8 +172,8 @@
 <pc:chgInfo xmlns:a="http://schemas.openxmlformats.org/drawingml/2006/main" xmlns:r="http://schemas.openxmlformats.org/officeDocument/2006/relationships" xmlns:ac="http://schemas.microsoft.com/office/drawing/2013/main/command" xmlns:pc="http://schemas.microsoft.com/office/powerpoint/2013/main/command">
   <pc:docChgLst>
     <pc:chgData name="Jonathan Mah" userId="5261b2f2f3e51194" providerId="LiveId" clId="{7E5BA9B4-78E1-47CD-98AB-DC3C4435B33A}"/>
-    <pc:docChg chg="undo custSel addSld delSld modSld modSection">
-      <pc:chgData name="Jonathan Mah" userId="5261b2f2f3e51194" providerId="LiveId" clId="{7E5BA9B4-78E1-47CD-98AB-DC3C4435B33A}" dt="2022-08-15T16:13:31.538" v="422" actId="14100"/>
+    <pc:docChg chg="undo custSel addSld delSld modSld addSection delSection modSection">
+      <pc:chgData name="Jonathan Mah" userId="5261b2f2f3e51194" providerId="LiveId" clId="{7E5BA9B4-78E1-47CD-98AB-DC3C4435B33A}" dt="2022-08-15T22:09:44.487" v="2480" actId="20577"/>
       <pc:docMkLst>
         <pc:docMk/>
       </pc:docMkLst>
@@ -198,7 +208,7 @@
         </pc:spChg>
       </pc:sldChg>
       <pc:sldChg chg="addSp delSp modSp mod">
-        <pc:chgData name="Jonathan Mah" userId="5261b2f2f3e51194" providerId="LiveId" clId="{7E5BA9B4-78E1-47CD-98AB-DC3C4435B33A}" dt="2022-08-15T15:48:30.078" v="78" actId="962"/>
+        <pc:chgData name="Jonathan Mah" userId="5261b2f2f3e51194" providerId="LiveId" clId="{7E5BA9B4-78E1-47CD-98AB-DC3C4435B33A}" dt="2022-08-15T21:48:40.489" v="2127" actId="1076"/>
         <pc:sldMkLst>
           <pc:docMk/>
           <pc:sldMk cId="3072451707" sldId="367"/>
@@ -209,6 +219,22 @@
             <pc:docMk/>
             <pc:sldMk cId="3072451707" sldId="367"/>
             <ac:spMk id="2" creationId="{5DD6B107-B951-60CE-2062-5F1DB2585525}"/>
+          </ac:spMkLst>
+        </pc:spChg>
+        <pc:spChg chg="add del mod">
+          <ac:chgData name="Jonathan Mah" userId="5261b2f2f3e51194" providerId="LiveId" clId="{7E5BA9B4-78E1-47CD-98AB-DC3C4435B33A}" dt="2022-08-15T21:32:21.573" v="1648"/>
+          <ac:spMkLst>
+            <pc:docMk/>
+            <pc:sldMk cId="3072451707" sldId="367"/>
+            <ac:spMk id="2" creationId="{A35439AD-9D8E-9B6E-6C27-57751343BE81}"/>
+          </ac:spMkLst>
+        </pc:spChg>
+        <pc:spChg chg="add mod">
+          <ac:chgData name="Jonathan Mah" userId="5261b2f2f3e51194" providerId="LiveId" clId="{7E5BA9B4-78E1-47CD-98AB-DC3C4435B33A}" dt="2022-08-15T21:48:40.489" v="2127" actId="1076"/>
+          <ac:spMkLst>
+            <pc:docMk/>
+            <pc:sldMk cId="3072451707" sldId="367"/>
+            <ac:spMk id="3" creationId="{1B5CE104-2AB2-6D90-DE18-FE3A56690CF6}"/>
           </ac:spMkLst>
         </pc:spChg>
         <pc:spChg chg="add del mod">
@@ -228,7 +254,7 @@
           </ac:spMkLst>
         </pc:spChg>
         <pc:spChg chg="add del mod">
-          <ac:chgData name="Jonathan Mah" userId="5261b2f2f3e51194" providerId="LiveId" clId="{7E5BA9B4-78E1-47CD-98AB-DC3C4435B33A}" dt="2022-08-15T15:48:19.117" v="75" actId="20577"/>
+          <ac:chgData name="Jonathan Mah" userId="5261b2f2f3e51194" providerId="LiveId" clId="{7E5BA9B4-78E1-47CD-98AB-DC3C4435B33A}" dt="2022-08-15T21:31:17.075" v="1644" actId="1076"/>
           <ac:spMkLst>
             <pc:docMk/>
             <pc:sldMk cId="3072451707" sldId="367"/>
@@ -244,7 +270,7 @@
           </ac:picMkLst>
         </pc:picChg>
         <pc:picChg chg="add mod">
-          <ac:chgData name="Jonathan Mah" userId="5261b2f2f3e51194" providerId="LiveId" clId="{7E5BA9B4-78E1-47CD-98AB-DC3C4435B33A}" dt="2022-08-15T15:48:30.078" v="78" actId="962"/>
+          <ac:chgData name="Jonathan Mah" userId="5261b2f2f3e51194" providerId="LiveId" clId="{7E5BA9B4-78E1-47CD-98AB-DC3C4435B33A}" dt="2022-08-15T21:31:21.040" v="1645" actId="1076"/>
           <ac:picMkLst>
             <pc:docMk/>
             <pc:sldMk cId="3072451707" sldId="367"/>
@@ -253,13 +279,13 @@
         </pc:picChg>
       </pc:sldChg>
       <pc:sldChg chg="addSp delSp modSp mod">
-        <pc:chgData name="Jonathan Mah" userId="5261b2f2f3e51194" providerId="LiveId" clId="{7E5BA9B4-78E1-47CD-98AB-DC3C4435B33A}" dt="2022-08-15T16:13:31.538" v="422" actId="14100"/>
+        <pc:chgData name="Jonathan Mah" userId="5261b2f2f3e51194" providerId="LiveId" clId="{7E5BA9B4-78E1-47CD-98AB-DC3C4435B33A}" dt="2022-08-15T20:48:46.966" v="926" actId="20577"/>
         <pc:sldMkLst>
           <pc:docMk/>
           <pc:sldMk cId="2960659961" sldId="368"/>
         </pc:sldMkLst>
         <pc:spChg chg="mod">
-          <ac:chgData name="Jonathan Mah" userId="5261b2f2f3e51194" providerId="LiveId" clId="{7E5BA9B4-78E1-47CD-98AB-DC3C4435B33A}" dt="2022-08-15T16:06:24.290" v="362" actId="20577"/>
+          <ac:chgData name="Jonathan Mah" userId="5261b2f2f3e51194" providerId="LiveId" clId="{7E5BA9B4-78E1-47CD-98AB-DC3C4435B33A}" dt="2022-08-15T20:48:46.966" v="926" actId="20577"/>
           <ac:spMkLst>
             <pc:docMk/>
             <pc:sldMk cId="2960659961" sldId="368"/>
@@ -274,12 +300,28 @@
             <ac:spMk id="3" creationId="{BB4FC36F-5D40-EB30-6494-2A8923B3B071}"/>
           </ac:spMkLst>
         </pc:spChg>
-        <pc:picChg chg="add mod">
-          <ac:chgData name="Jonathan Mah" userId="5261b2f2f3e51194" providerId="LiveId" clId="{7E5BA9B4-78E1-47CD-98AB-DC3C4435B33A}" dt="2022-08-15T16:13:31.538" v="422" actId="14100"/>
+        <pc:spChg chg="add del mod">
+          <ac:chgData name="Jonathan Mah" userId="5261b2f2f3e51194" providerId="LiveId" clId="{7E5BA9B4-78E1-47CD-98AB-DC3C4435B33A}" dt="2022-08-15T20:48:31.464" v="911"/>
+          <ac:spMkLst>
+            <pc:docMk/>
+            <pc:sldMk cId="2960659961" sldId="368"/>
+            <ac:spMk id="5" creationId="{191FED4D-4A3D-3D4E-6A76-273BEBE59EF0}"/>
+          </ac:spMkLst>
+        </pc:spChg>
+        <pc:picChg chg="add del mod">
+          <ac:chgData name="Jonathan Mah" userId="5261b2f2f3e51194" providerId="LiveId" clId="{7E5BA9B4-78E1-47CD-98AB-DC3C4435B33A}" dt="2022-08-15T20:48:30.464" v="910" actId="21"/>
           <ac:picMkLst>
             <pc:docMk/>
             <pc:sldMk cId="2960659961" sldId="368"/>
             <ac:picMk id="4" creationId="{166B18B6-9BAB-4DC2-7272-DC1390A0ADF1}"/>
+          </ac:picMkLst>
+        </pc:picChg>
+        <pc:picChg chg="add mod">
+          <ac:chgData name="Jonathan Mah" userId="5261b2f2f3e51194" providerId="LiveId" clId="{7E5BA9B4-78E1-47CD-98AB-DC3C4435B33A}" dt="2022-08-15T20:48:31.464" v="911"/>
+          <ac:picMkLst>
+            <pc:docMk/>
+            <pc:sldMk cId="2960659961" sldId="368"/>
+            <ac:picMk id="6" creationId="{D4C3C594-4681-C594-49AC-A33E3D3120F3}"/>
           </ac:picMkLst>
         </pc:picChg>
       </pc:sldChg>
@@ -315,7 +357,7 @@
         </pc:picChg>
       </pc:sldChg>
       <pc:sldChg chg="addSp delSp modSp new mod">
-        <pc:chgData name="Jonathan Mah" userId="5261b2f2f3e51194" providerId="LiveId" clId="{7E5BA9B4-78E1-47CD-98AB-DC3C4435B33A}" dt="2022-08-15T16:09:37.261" v="382" actId="962"/>
+        <pc:chgData name="Jonathan Mah" userId="5261b2f2f3e51194" providerId="LiveId" clId="{7E5BA9B4-78E1-47CD-98AB-DC3C4435B33A}" dt="2022-08-15T18:52:16.192" v="817" actId="208"/>
         <pc:sldMkLst>
           <pc:docMk/>
           <pc:sldMk cId="1981462907" sldId="372"/>
@@ -326,6 +368,14 @@
             <pc:docMk/>
             <pc:sldMk cId="1981462907" sldId="372"/>
             <ac:spMk id="2" creationId="{DDECB1F4-193F-9752-CBCE-13D62BD690F0}"/>
+          </ac:spMkLst>
+        </pc:spChg>
+        <pc:spChg chg="add mod">
+          <ac:chgData name="Jonathan Mah" userId="5261b2f2f3e51194" providerId="LiveId" clId="{7E5BA9B4-78E1-47CD-98AB-DC3C4435B33A}" dt="2022-08-15T18:52:16.192" v="817" actId="208"/>
+          <ac:spMkLst>
+            <pc:docMk/>
+            <pc:sldMk cId="1981462907" sldId="372"/>
+            <ac:spMk id="3" creationId="{7D1EA5D0-E5F6-82CE-2110-5232020FBBA2}"/>
           </ac:spMkLst>
         </pc:spChg>
         <pc:spChg chg="del">
@@ -535,18 +585,211 @@
           </ac:picMkLst>
         </pc:picChg>
       </pc:sldChg>
-      <pc:sldChg chg="modSp add mod">
-        <pc:chgData name="Jonathan Mah" userId="5261b2f2f3e51194" providerId="LiveId" clId="{7E5BA9B4-78E1-47CD-98AB-DC3C4435B33A}" dt="2022-08-15T16:12:16.759" v="420" actId="20577"/>
+      <pc:sldChg chg="addSp delSp modSp add mod">
+        <pc:chgData name="Jonathan Mah" userId="5261b2f2f3e51194" providerId="LiveId" clId="{7E5BA9B4-78E1-47CD-98AB-DC3C4435B33A}" dt="2022-08-15T20:43:44.930" v="873" actId="1076"/>
         <pc:sldMkLst>
           <pc:docMk/>
           <pc:sldMk cId="3936373806" sldId="378"/>
         </pc:sldMkLst>
         <pc:spChg chg="mod">
-          <ac:chgData name="Jonathan Mah" userId="5261b2f2f3e51194" providerId="LiveId" clId="{7E5BA9B4-78E1-47CD-98AB-DC3C4435B33A}" dt="2022-08-15T16:12:16.759" v="420" actId="20577"/>
+          <ac:chgData name="Jonathan Mah" userId="5261b2f2f3e51194" providerId="LiveId" clId="{7E5BA9B4-78E1-47CD-98AB-DC3C4435B33A}" dt="2022-08-15T20:43:28.048" v="866" actId="20577"/>
+          <ac:spMkLst>
+            <pc:docMk/>
+            <pc:sldMk cId="3936373806" sldId="378"/>
+            <ac:spMk id="2" creationId="{0FD59ED8-51AC-6E92-D869-0B1D7427D4A7}"/>
+          </ac:spMkLst>
+        </pc:spChg>
+        <pc:spChg chg="del mod">
+          <ac:chgData name="Jonathan Mah" userId="5261b2f2f3e51194" providerId="LiveId" clId="{7E5BA9B4-78E1-47CD-98AB-DC3C4435B33A}" dt="2022-08-15T20:43:37.760" v="868" actId="931"/>
           <ac:spMkLst>
             <pc:docMk/>
             <pc:sldMk cId="3936373806" sldId="378"/>
             <ac:spMk id="3" creationId="{BB4FC36F-5D40-EB30-6494-2A8923B3B071}"/>
+          </ac:spMkLst>
+        </pc:spChg>
+        <pc:picChg chg="add mod">
+          <ac:chgData name="Jonathan Mah" userId="5261b2f2f3e51194" providerId="LiveId" clId="{7E5BA9B4-78E1-47CD-98AB-DC3C4435B33A}" dt="2022-08-15T20:43:44.930" v="873" actId="1076"/>
+          <ac:picMkLst>
+            <pc:docMk/>
+            <pc:sldMk cId="3936373806" sldId="378"/>
+            <ac:picMk id="5" creationId="{926A0106-E18A-A3B6-D16F-4ACE94C8FFDB}"/>
+          </ac:picMkLst>
+        </pc:picChg>
+      </pc:sldChg>
+      <pc:sldChg chg="modSp add mod">
+        <pc:chgData name="Jonathan Mah" userId="5261b2f2f3e51194" providerId="LiveId" clId="{7E5BA9B4-78E1-47CD-98AB-DC3C4435B33A}" dt="2022-08-15T20:57:52.433" v="1099" actId="20577"/>
+        <pc:sldMkLst>
+          <pc:docMk/>
+          <pc:sldMk cId="1931460690" sldId="379"/>
+        </pc:sldMkLst>
+        <pc:spChg chg="mod">
+          <ac:chgData name="Jonathan Mah" userId="5261b2f2f3e51194" providerId="LiveId" clId="{7E5BA9B4-78E1-47CD-98AB-DC3C4435B33A}" dt="2022-08-15T20:57:52.433" v="1099" actId="20577"/>
+          <ac:spMkLst>
+            <pc:docMk/>
+            <pc:sldMk cId="1931460690" sldId="379"/>
+            <ac:spMk id="3" creationId="{BB4FC36F-5D40-EB30-6494-2A8923B3B071}"/>
+          </ac:spMkLst>
+        </pc:spChg>
+      </pc:sldChg>
+      <pc:sldChg chg="add del">
+        <pc:chgData name="Jonathan Mah" userId="5261b2f2f3e51194" providerId="LiveId" clId="{7E5BA9B4-78E1-47CD-98AB-DC3C4435B33A}" dt="2022-08-15T20:43:20.332" v="821"/>
+        <pc:sldMkLst>
+          <pc:docMk/>
+          <pc:sldMk cId="3571782354" sldId="379"/>
+        </pc:sldMkLst>
+      </pc:sldChg>
+      <pc:sldChg chg="addSp delSp modSp add mod">
+        <pc:chgData name="Jonathan Mah" userId="5261b2f2f3e51194" providerId="LiveId" clId="{7E5BA9B4-78E1-47CD-98AB-DC3C4435B33A}" dt="2022-08-15T20:45:13.731" v="897" actId="1076"/>
+        <pc:sldMkLst>
+          <pc:docMk/>
+          <pc:sldMk cId="3070443774" sldId="380"/>
+        </pc:sldMkLst>
+        <pc:spChg chg="mod">
+          <ac:chgData name="Jonathan Mah" userId="5261b2f2f3e51194" providerId="LiveId" clId="{7E5BA9B4-78E1-47CD-98AB-DC3C4435B33A}" dt="2022-08-15T20:44:57.693" v="892" actId="20577"/>
+          <ac:spMkLst>
+            <pc:docMk/>
+            <pc:sldMk cId="3070443774" sldId="380"/>
+            <ac:spMk id="8" creationId="{5261F795-AC8D-5353-1B78-5C62B853111D}"/>
+          </ac:spMkLst>
+        </pc:spChg>
+        <pc:picChg chg="add mod">
+          <ac:chgData name="Jonathan Mah" userId="5261b2f2f3e51194" providerId="LiveId" clId="{7E5BA9B4-78E1-47CD-98AB-DC3C4435B33A}" dt="2022-08-15T20:45:13.731" v="897" actId="1076"/>
+          <ac:picMkLst>
+            <pc:docMk/>
+            <pc:sldMk cId="3070443774" sldId="380"/>
+            <ac:picMk id="3" creationId="{B7731CCF-87A6-63AA-F2F1-769292ADE48D}"/>
+          </ac:picMkLst>
+        </pc:picChg>
+        <pc:picChg chg="del">
+          <ac:chgData name="Jonathan Mah" userId="5261b2f2f3e51194" providerId="LiveId" clId="{7E5BA9B4-78E1-47CD-98AB-DC3C4435B33A}" dt="2022-08-15T20:44:59.644" v="893" actId="478"/>
+          <ac:picMkLst>
+            <pc:docMk/>
+            <pc:sldMk cId="3070443774" sldId="380"/>
+            <ac:picMk id="11" creationId="{6E91517A-4556-2DAD-50B1-31AFFF8413A9}"/>
+          </ac:picMkLst>
+        </pc:picChg>
+      </pc:sldChg>
+      <pc:sldChg chg="addSp delSp modSp add mod">
+        <pc:chgData name="Jonathan Mah" userId="5261b2f2f3e51194" providerId="LiveId" clId="{7E5BA9B4-78E1-47CD-98AB-DC3C4435B33A}" dt="2022-08-15T21:29:48.422" v="1643" actId="1076"/>
+        <pc:sldMkLst>
+          <pc:docMk/>
+          <pc:sldMk cId="2015771658" sldId="381"/>
+        </pc:sldMkLst>
+        <pc:spChg chg="mod">
+          <ac:chgData name="Jonathan Mah" userId="5261b2f2f3e51194" providerId="LiveId" clId="{7E5BA9B4-78E1-47CD-98AB-DC3C4435B33A}" dt="2022-08-15T20:49:06.834" v="975" actId="20577"/>
+          <ac:spMkLst>
+            <pc:docMk/>
+            <pc:sldMk cId="2015771658" sldId="381"/>
+            <ac:spMk id="2" creationId="{0FD59ED8-51AC-6E92-D869-0B1D7427D4A7}"/>
+          </ac:spMkLst>
+        </pc:spChg>
+        <pc:spChg chg="add del mod">
+          <ac:chgData name="Jonathan Mah" userId="5261b2f2f3e51194" providerId="LiveId" clId="{7E5BA9B4-78E1-47CD-98AB-DC3C4435B33A}" dt="2022-08-15T20:48:27.112" v="909"/>
+          <ac:spMkLst>
+            <pc:docMk/>
+            <pc:sldMk cId="2015771658" sldId="381"/>
+            <ac:spMk id="5" creationId="{BA79F637-EDCC-B611-718F-29E8D1E5C7DA}"/>
+          </ac:spMkLst>
+        </pc:spChg>
+        <pc:spChg chg="add del mod">
+          <ac:chgData name="Jonathan Mah" userId="5261b2f2f3e51194" providerId="LiveId" clId="{7E5BA9B4-78E1-47CD-98AB-DC3C4435B33A}" dt="2022-08-15T20:48:27.072" v="908"/>
+          <ac:spMkLst>
+            <pc:docMk/>
+            <pc:sldMk cId="2015771658" sldId="381"/>
+            <ac:spMk id="6" creationId="{9619BCA5-6410-714A-10EC-F2C7426E854B}"/>
+          </ac:spMkLst>
+        </pc:spChg>
+        <pc:spChg chg="add mod">
+          <ac:chgData name="Jonathan Mah" userId="5261b2f2f3e51194" providerId="LiveId" clId="{7E5BA9B4-78E1-47CD-98AB-DC3C4435B33A}" dt="2022-08-15T21:23:45.491" v="1362" actId="255"/>
+          <ac:spMkLst>
+            <pc:docMk/>
+            <pc:sldMk cId="2015771658" sldId="381"/>
+            <ac:spMk id="8" creationId="{3D140189-6A3E-767C-6463-55B5C0154432}"/>
+          </ac:spMkLst>
+        </pc:spChg>
+        <pc:spChg chg="add mod">
+          <ac:chgData name="Jonathan Mah" userId="5261b2f2f3e51194" providerId="LiveId" clId="{7E5BA9B4-78E1-47CD-98AB-DC3C4435B33A}" dt="2022-08-15T21:29:48.422" v="1643" actId="1076"/>
+          <ac:spMkLst>
+            <pc:docMk/>
+            <pc:sldMk cId="2015771658" sldId="381"/>
+            <ac:spMk id="10" creationId="{70B3AE50-F2D4-7D36-9B61-D51486A52C19}"/>
+          </ac:spMkLst>
+        </pc:spChg>
+        <pc:picChg chg="del">
+          <ac:chgData name="Jonathan Mah" userId="5261b2f2f3e51194" providerId="LiveId" clId="{7E5BA9B4-78E1-47CD-98AB-DC3C4435B33A}" dt="2022-08-15T20:48:14.144" v="906" actId="478"/>
+          <ac:picMkLst>
+            <pc:docMk/>
+            <pc:sldMk cId="2015771658" sldId="381"/>
+            <ac:picMk id="4" creationId="{166B18B6-9BAB-4DC2-7272-DC1390A0ADF1}"/>
+          </ac:picMkLst>
+        </pc:picChg>
+        <pc:picChg chg="add mod">
+          <ac:chgData name="Jonathan Mah" userId="5261b2f2f3e51194" providerId="LiveId" clId="{7E5BA9B4-78E1-47CD-98AB-DC3C4435B33A}" dt="2022-08-15T20:48:27.112" v="909"/>
+          <ac:picMkLst>
+            <pc:docMk/>
+            <pc:sldMk cId="2015771658" sldId="381"/>
+            <ac:picMk id="7" creationId="{D4B5F1AA-5A89-CE2B-60FC-607CEBDC83A0}"/>
+          </ac:picMkLst>
+        </pc:picChg>
+      </pc:sldChg>
+      <pc:sldChg chg="modSp new del mod">
+        <pc:chgData name="Jonathan Mah" userId="5261b2f2f3e51194" providerId="LiveId" clId="{7E5BA9B4-78E1-47CD-98AB-DC3C4435B33A}" dt="2022-08-15T22:07:13.720" v="2128" actId="2696"/>
+        <pc:sldMkLst>
+          <pc:docMk/>
+          <pc:sldMk cId="1980601375" sldId="382"/>
+        </pc:sldMkLst>
+        <pc:spChg chg="mod">
+          <ac:chgData name="Jonathan Mah" userId="5261b2f2f3e51194" providerId="LiveId" clId="{7E5BA9B4-78E1-47CD-98AB-DC3C4435B33A}" dt="2022-08-15T21:24:10.725" v="1383" actId="20577"/>
+          <ac:spMkLst>
+            <pc:docMk/>
+            <pc:sldMk cId="1980601375" sldId="382"/>
+            <ac:spMk id="2" creationId="{A602EA1E-DA58-BED5-FDEE-69838F68237F}"/>
+          </ac:spMkLst>
+        </pc:spChg>
+        <pc:spChg chg="mod">
+          <ac:chgData name="Jonathan Mah" userId="5261b2f2f3e51194" providerId="LiveId" clId="{7E5BA9B4-78E1-47CD-98AB-DC3C4435B33A}" dt="2022-08-15T21:26:44.360" v="1642" actId="20577"/>
+          <ac:spMkLst>
+            <pc:docMk/>
+            <pc:sldMk cId="1980601375" sldId="382"/>
+            <ac:spMk id="3" creationId="{1747A062-6D09-3F49-9719-9EC1D1335A5B}"/>
+          </ac:spMkLst>
+        </pc:spChg>
+      </pc:sldChg>
+      <pc:sldChg chg="modSp add mod">
+        <pc:chgData name="Jonathan Mah" userId="5261b2f2f3e51194" providerId="LiveId" clId="{7E5BA9B4-78E1-47CD-98AB-DC3C4435B33A}" dt="2022-08-15T22:07:23.685" v="2140" actId="20577"/>
+        <pc:sldMkLst>
+          <pc:docMk/>
+          <pc:sldMk cId="3538373345" sldId="382"/>
+        </pc:sldMkLst>
+        <pc:spChg chg="mod">
+          <ac:chgData name="Jonathan Mah" userId="5261b2f2f3e51194" providerId="LiveId" clId="{7E5BA9B4-78E1-47CD-98AB-DC3C4435B33A}" dt="2022-08-15T22:07:23.685" v="2140" actId="20577"/>
+          <ac:spMkLst>
+            <pc:docMk/>
+            <pc:sldMk cId="3538373345" sldId="382"/>
+            <ac:spMk id="2" creationId="{A602EA1E-DA58-BED5-FDEE-69838F68237F}"/>
+          </ac:spMkLst>
+        </pc:spChg>
+      </pc:sldChg>
+      <pc:sldChg chg="modSp add mod">
+        <pc:chgData name="Jonathan Mah" userId="5261b2f2f3e51194" providerId="LiveId" clId="{7E5BA9B4-78E1-47CD-98AB-DC3C4435B33A}" dt="2022-08-15T22:09:44.487" v="2480" actId="20577"/>
+        <pc:sldMkLst>
+          <pc:docMk/>
+          <pc:sldMk cId="1096774847" sldId="383"/>
+        </pc:sldMkLst>
+        <pc:spChg chg="mod">
+          <ac:chgData name="Jonathan Mah" userId="5261b2f2f3e51194" providerId="LiveId" clId="{7E5BA9B4-78E1-47CD-98AB-DC3C4435B33A}" dt="2022-08-15T22:09:44.487" v="2480" actId="20577"/>
+          <ac:spMkLst>
+            <pc:docMk/>
+            <pc:sldMk cId="1096774847" sldId="383"/>
+            <ac:spMk id="2" creationId="{A602EA1E-DA58-BED5-FDEE-69838F68237F}"/>
+          </ac:spMkLst>
+        </pc:spChg>
+        <pc:spChg chg="mod">
+          <ac:chgData name="Jonathan Mah" userId="5261b2f2f3e51194" providerId="LiveId" clId="{7E5BA9B4-78E1-47CD-98AB-DC3C4435B33A}" dt="2022-08-15T22:09:36.676" v="2474" actId="20577"/>
+          <ac:spMkLst>
+            <pc:docMk/>
+            <pc:sldMk cId="1096774847" sldId="383"/>
+            <ac:spMk id="3" creationId="{1747A062-6D09-3F49-9719-9EC1D1335A5B}"/>
           </ac:spMkLst>
         </pc:spChg>
       </pc:sldChg>
@@ -4284,11 +4527,11 @@
           <a:p>
             <a:r>
               <a:rPr lang="en-US" dirty="0"/>
-              <a:t>P. </a:t>
+              <a:t>B. </a:t>
             </a:r>
             <a:r>
               <a:rPr lang="en-US" dirty="0" err="1"/>
-              <a:t>distasonis</a:t>
+              <a:t>intestinihominis</a:t>
             </a:r>
             <a:endParaRPr lang="en-US" dirty="0"/>
           </a:p>
@@ -4296,10 +4539,10 @@
       </p:sp>
       <p:pic>
         <p:nvPicPr>
-          <p:cNvPr id="5" name="Content Placeholder 4" descr="Chart, histogram&#10;&#10;Description automatically generated">
-            <a:extLst>
-              <a:ext uri="{FF2B5EF4-FFF2-40B4-BE49-F238E27FC236}">
-                <a16:creationId xmlns:a16="http://schemas.microsoft.com/office/drawing/2014/main" id="{465E2E29-D0FF-EF1E-4A7E-5E8771D57498}"/>
+          <p:cNvPr id="5" name="Content Placeholder 4" descr="Chart&#10;&#10;Description automatically generated">
+            <a:extLst>
+              <a:ext uri="{FF2B5EF4-FFF2-40B4-BE49-F238E27FC236}">
+                <a16:creationId xmlns:a16="http://schemas.microsoft.com/office/drawing/2014/main" id="{D4D47DED-CF73-A33C-F093-2794C363B7D9}"/>
               </a:ext>
             </a:extLst>
           </p:cNvPr>
@@ -4332,7 +4575,7 @@
     </p:spTree>
     <p:extLst>
       <p:ext uri="{BB962C8B-B14F-4D97-AF65-F5344CB8AC3E}">
-        <p14:creationId xmlns:p14="http://schemas.microsoft.com/office/powerpoint/2010/main" val="1930837532"/>
+        <p14:creationId xmlns:p14="http://schemas.microsoft.com/office/powerpoint/2010/main" val="777973639"/>
       </p:ext>
     </p:extLst>
   </p:cSld>
@@ -4364,7 +4607,7 @@
           <p:cNvPr id="2" name="Title 1">
             <a:extLst>
               <a:ext uri="{FF2B5EF4-FFF2-40B4-BE49-F238E27FC236}">
-                <a16:creationId xmlns:a16="http://schemas.microsoft.com/office/drawing/2014/main" id="{0FD59ED8-51AC-6E92-D869-0B1D7427D4A7}"/>
+                <a16:creationId xmlns:a16="http://schemas.microsoft.com/office/drawing/2014/main" id="{DDECB1F4-193F-9752-CBCE-13D62BD690F0}"/>
               </a:ext>
             </a:extLst>
           </p:cNvPr>
@@ -4382,17 +4625,22 @@
           <a:p>
             <a:r>
               <a:rPr lang="en-US" dirty="0"/>
-              <a:t>Pi</a:t>
-            </a:r>
+              <a:t>P. </a:t>
+            </a:r>
+            <a:r>
+              <a:rPr lang="en-US" dirty="0" err="1"/>
+              <a:t>distasonis</a:t>
+            </a:r>
+            <a:endParaRPr lang="en-US" dirty="0"/>
           </a:p>
         </p:txBody>
       </p:sp>
       <p:pic>
         <p:nvPicPr>
-          <p:cNvPr id="4" name="Content Placeholder 5">
-            <a:extLst>
-              <a:ext uri="{FF2B5EF4-FFF2-40B4-BE49-F238E27FC236}">
-                <a16:creationId xmlns:a16="http://schemas.microsoft.com/office/drawing/2014/main" id="{166B18B6-9BAB-4DC2-7272-DC1390A0ADF1}"/>
+          <p:cNvPr id="5" name="Content Placeholder 4" descr="Chart, histogram&#10;&#10;Description automatically generated">
+            <a:extLst>
+              <a:ext uri="{FF2B5EF4-FFF2-40B4-BE49-F238E27FC236}">
+                <a16:creationId xmlns:a16="http://schemas.microsoft.com/office/drawing/2014/main" id="{465E2E29-D0FF-EF1E-4A7E-5E8771D57498}"/>
               </a:ext>
             </a:extLst>
           </p:cNvPr>
@@ -4404,25 +4652,28 @@
           </p:nvPr>
         </p:nvPicPr>
         <p:blipFill>
-          <a:blip r:embed="rId2"/>
+          <a:blip r:embed="rId2">
+            <a:extLst>
+              <a:ext uri="{28A0092B-C50C-407E-A947-70E740481C1C}">
+                <a14:useLocalDpi xmlns:a14="http://schemas.microsoft.com/office/drawing/2010/main" val="0"/>
+              </a:ext>
+            </a:extLst>
+          </a:blip>
           <a:stretch>
             <a:fillRect/>
           </a:stretch>
         </p:blipFill>
         <p:spPr>
           <a:xfrm>
-            <a:off x="2696517" y="420972"/>
-            <a:ext cx="8993735" cy="5755991"/>
+            <a:off x="3195108" y="1825625"/>
+            <a:ext cx="5801784" cy="4351338"/>
           </a:xfrm>
-          <a:prstGeom prst="rect">
-            <a:avLst/>
-          </a:prstGeom>
         </p:spPr>
       </p:pic>
     </p:spTree>
     <p:extLst>
       <p:ext uri="{BB962C8B-B14F-4D97-AF65-F5344CB8AC3E}">
-        <p14:creationId xmlns:p14="http://schemas.microsoft.com/office/powerpoint/2010/main" val="2960659961"/>
+        <p14:creationId xmlns:p14="http://schemas.microsoft.com/office/powerpoint/2010/main" val="1930837532"/>
       </p:ext>
     </p:extLst>
   </p:cSld>
@@ -4472,65 +4723,47 @@
           <a:p>
             <a:r>
               <a:rPr lang="en-US" dirty="0"/>
-              <a:t>MIDAS Oral</a:t>
-            </a:r>
-          </a:p>
-        </p:txBody>
-      </p:sp>
-      <p:sp>
-        <p:nvSpPr>
-          <p:cNvPr id="3" name="Content Placeholder 2">
-            <a:extLst>
-              <a:ext uri="{FF2B5EF4-FFF2-40B4-BE49-F238E27FC236}">
-                <a16:creationId xmlns:a16="http://schemas.microsoft.com/office/drawing/2014/main" id="{BB4FC36F-5D40-EB30-6494-2A8923B3B071}"/>
-              </a:ext>
-            </a:extLst>
-          </p:cNvPr>
-          <p:cNvSpPr>
-            <a:spLocks noGrp="1"/>
-          </p:cNvSpPr>
+              <a:t>Pi (slightly old)</a:t>
+            </a:r>
+          </a:p>
+        </p:txBody>
+      </p:sp>
+      <p:pic>
+        <p:nvPicPr>
+          <p:cNvPr id="6" name="Content Placeholder 5">
+            <a:extLst>
+              <a:ext uri="{FF2B5EF4-FFF2-40B4-BE49-F238E27FC236}">
+                <a16:creationId xmlns:a16="http://schemas.microsoft.com/office/drawing/2014/main" id="{D4C3C594-4681-C594-49AC-A33E3D3120F3}"/>
+              </a:ext>
+            </a:extLst>
+          </p:cNvPr>
+          <p:cNvPicPr>
+            <a:picLocks noGrp="1" noChangeAspect="1"/>
+          </p:cNvPicPr>
           <p:nvPr>
             <p:ph idx="1"/>
           </p:nvPr>
-        </p:nvSpPr>
-        <p:spPr/>
-        <p:txBody>
-          <a:bodyPr/>
-          <a:lstStyle/>
-          <a:p>
-            <a:r>
-              <a:rPr lang="en-US" dirty="0"/>
-              <a:t>Species_profile.txt = 339/339</a:t>
-            </a:r>
-          </a:p>
-          <a:p>
-            <a:r>
-              <a:rPr lang="en-US" dirty="0"/>
-              <a:t>Species union step finished for 186 people (339 unique time x host points)</a:t>
-            </a:r>
-          </a:p>
-          <a:p>
-            <a:r>
-              <a:rPr lang="en-US" dirty="0" err="1"/>
-              <a:t>Snps</a:t>
-            </a:r>
-            <a:r>
-              <a:rPr lang="en-US" dirty="0"/>
-              <a:t> step = 320/339 hosts</a:t>
-            </a:r>
-          </a:p>
-          <a:p>
-            <a:r>
-              <a:rPr lang="en-US" dirty="0"/>
-              <a:t>Genes step = 334/339 hosts</a:t>
-            </a:r>
-          </a:p>
-        </p:txBody>
-      </p:sp>
+        </p:nvPicPr>
+        <p:blipFill>
+          <a:blip r:embed="rId2"/>
+          <a:stretch>
+            <a:fillRect/>
+          </a:stretch>
+        </p:blipFill>
+        <p:spPr>
+          <a:xfrm>
+            <a:off x="2696517" y="1825625"/>
+            <a:ext cx="6798965" cy="4351338"/>
+          </a:xfrm>
+          <a:prstGeom prst="rect">
+            <a:avLst/>
+          </a:prstGeom>
+        </p:spPr>
+      </p:pic>
     </p:spTree>
     <p:extLst>
       <p:ext uri="{BB962C8B-B14F-4D97-AF65-F5344CB8AC3E}">
-        <p14:creationId xmlns:p14="http://schemas.microsoft.com/office/powerpoint/2010/main" val="3936373806"/>
+        <p14:creationId xmlns:p14="http://schemas.microsoft.com/office/powerpoint/2010/main" val="2960659961"/>
       </p:ext>
     </p:extLst>
   </p:cSld>
@@ -4562,7 +4795,7 @@
           <p:cNvPr id="2" name="Title 1">
             <a:extLst>
               <a:ext uri="{FF2B5EF4-FFF2-40B4-BE49-F238E27FC236}">
-                <a16:creationId xmlns:a16="http://schemas.microsoft.com/office/drawing/2014/main" id="{82A13C69-9960-AE20-E607-565A44A96D2D}"/>
+                <a16:creationId xmlns:a16="http://schemas.microsoft.com/office/drawing/2014/main" id="{0FD59ED8-51AC-6E92-D869-0B1D7427D4A7}"/>
               </a:ext>
             </a:extLst>
           </p:cNvPr>
@@ -4580,211 +4813,177 @@
           <a:p>
             <a:r>
               <a:rPr lang="en-US" dirty="0"/>
-              <a:t>TODO</a:t>
-            </a:r>
-          </a:p>
-        </p:txBody>
-      </p:sp>
-      <p:sp>
-        <p:nvSpPr>
-          <p:cNvPr id="3" name="Content Placeholder 2">
-            <a:extLst>
-              <a:ext uri="{FF2B5EF4-FFF2-40B4-BE49-F238E27FC236}">
-                <a16:creationId xmlns:a16="http://schemas.microsoft.com/office/drawing/2014/main" id="{F1424677-5EFD-6620-B214-60823D25C5F2}"/>
-              </a:ext>
-            </a:extLst>
-          </p:cNvPr>
-          <p:cNvSpPr>
-            <a:spLocks noGrp="1"/>
-          </p:cNvSpPr>
+              <a:t>Pi (Ethiopian data removed, account for time point)</a:t>
+            </a:r>
+          </a:p>
+        </p:txBody>
+      </p:sp>
+      <p:pic>
+        <p:nvPicPr>
+          <p:cNvPr id="7" name="Content Placeholder 6">
+            <a:extLst>
+              <a:ext uri="{FF2B5EF4-FFF2-40B4-BE49-F238E27FC236}">
+                <a16:creationId xmlns:a16="http://schemas.microsoft.com/office/drawing/2014/main" id="{D4B5F1AA-5A89-CE2B-60FC-607CEBDC83A0}"/>
+              </a:ext>
+            </a:extLst>
+          </p:cNvPr>
+          <p:cNvPicPr>
+            <a:picLocks noGrp="1" noChangeAspect="1"/>
+          </p:cNvPicPr>
           <p:nvPr>
             <p:ph idx="1"/>
           </p:nvPr>
-        </p:nvSpPr>
-        <p:spPr/>
-        <p:txBody>
-          <a:bodyPr>
-            <a:normAutofit fontScale="92500" lnSpcReduction="20000"/>
+        </p:nvPicPr>
+        <p:blipFill>
+          <a:blip r:embed="rId2"/>
+          <a:stretch>
+            <a:fillRect/>
+          </a:stretch>
+        </p:blipFill>
+        <p:spPr>
+          <a:xfrm>
+            <a:off x="2106787" y="1825625"/>
+            <a:ext cx="7978426" cy="4351338"/>
+          </a:xfrm>
+          <a:prstGeom prst="rect">
+            <a:avLst/>
+          </a:prstGeom>
+        </p:spPr>
+      </p:pic>
+      <p:sp>
+        <p:nvSpPr>
+          <p:cNvPr id="8" name="TextBox 7">
+            <a:extLst>
+              <a:ext uri="{FF2B5EF4-FFF2-40B4-BE49-F238E27FC236}">
+                <a16:creationId xmlns:a16="http://schemas.microsoft.com/office/drawing/2014/main" id="{3D140189-6A3E-767C-6463-55B5C0154432}"/>
+              </a:ext>
+            </a:extLst>
+          </p:cNvPr>
+          <p:cNvSpPr txBox="1"/>
+          <p:nvPr/>
+        </p:nvSpPr>
+        <p:spPr>
+          <a:xfrm>
+            <a:off x="10085213" y="1690688"/>
+            <a:ext cx="1498231" cy="1169551"/>
+          </a:xfrm>
+          <a:prstGeom prst="rect">
+            <a:avLst/>
+          </a:prstGeom>
+          <a:noFill/>
+        </p:spPr>
+        <p:txBody>
+          <a:bodyPr wrap="none" rtlCol="0">
+            <a:spAutoFit/>
           </a:bodyPr>
           <a:lstStyle/>
           <a:p>
             <a:r>
-              <a:rPr lang="en-US" dirty="0">
-                <a:solidFill>
-                  <a:srgbClr val="FF0000"/>
-                </a:solidFill>
-              </a:rPr>
-              <a:t>Writing</a:t>
-            </a:r>
-          </a:p>
-          <a:p>
-            <a:pPr lvl="1"/>
-            <a:r>
-              <a:rPr lang="en-US" dirty="0">
-                <a:solidFill>
-                  <a:srgbClr val="FF0000"/>
-                </a:solidFill>
-              </a:rPr>
-              <a:t>Results: New version of figure 2:</a:t>
-            </a:r>
-          </a:p>
-          <a:p>
-            <a:pPr lvl="2"/>
-            <a:r>
-              <a:rPr lang="en-US" dirty="0">
-                <a:solidFill>
-                  <a:srgbClr val="FF0000"/>
-                </a:solidFill>
-              </a:rPr>
-              <a:t>Cornejo-</a:t>
-            </a:r>
-            <a:r>
-              <a:rPr lang="en-US" dirty="0" err="1">
-                <a:solidFill>
-                  <a:srgbClr val="FF0000"/>
-                </a:solidFill>
-              </a:rPr>
-              <a:t>esque</a:t>
-            </a:r>
-            <a:r>
-              <a:rPr lang="en-US" dirty="0">
-                <a:solidFill>
-                  <a:srgbClr val="FF0000"/>
-                </a:solidFill>
-              </a:rPr>
-              <a:t> demographic model (but contraction)</a:t>
-            </a:r>
-          </a:p>
-          <a:p>
-            <a:pPr lvl="2"/>
-            <a:r>
-              <a:rPr lang="en-US" dirty="0">
-                <a:solidFill>
-                  <a:srgbClr val="FF0000"/>
-                </a:solidFill>
-              </a:rPr>
-              <a:t>SFS for B. thetaiotaomicron</a:t>
-            </a:r>
-          </a:p>
-          <a:p>
-            <a:pPr lvl="2"/>
-            <a:r>
-              <a:rPr lang="en-US" dirty="0">
-                <a:solidFill>
-                  <a:srgbClr val="FF0000"/>
-                </a:solidFill>
-              </a:rPr>
-              <a:t>Possibly include likelihood plot</a:t>
-            </a:r>
-          </a:p>
-          <a:p>
-            <a:pPr lvl="2"/>
-            <a:r>
-              <a:rPr lang="en-US" dirty="0">
-                <a:solidFill>
-                  <a:srgbClr val="FF0000"/>
-                </a:solidFill>
-              </a:rPr>
-              <a:t>Update cartoons / figures with current script</a:t>
-            </a:r>
-          </a:p>
-          <a:p>
-            <a:pPr lvl="1"/>
-            <a:r>
-              <a:rPr lang="en-US" dirty="0">
-                <a:solidFill>
-                  <a:srgbClr val="FF0000"/>
-                </a:solidFill>
-              </a:rPr>
-              <a:t>Methods: </a:t>
-            </a:r>
-          </a:p>
-          <a:p>
-            <a:pPr lvl="2"/>
-            <a:r>
-              <a:rPr lang="en-US" dirty="0">
-                <a:solidFill>
-                  <a:srgbClr val="FF0000"/>
-                </a:solidFill>
-              </a:rPr>
-              <a:t>Remove distribution of QP samples </a:t>
-            </a:r>
-          </a:p>
-          <a:p>
-            <a:pPr lvl="1"/>
-            <a:r>
-              <a:rPr lang="en-US" dirty="0">
-                <a:solidFill>
-                  <a:srgbClr val="FF0000"/>
-                </a:solidFill>
-              </a:rPr>
-              <a:t>Supplement:</a:t>
-            </a:r>
-          </a:p>
-          <a:p>
-            <a:pPr lvl="2"/>
-            <a:r>
-              <a:rPr lang="en-US" b="1" dirty="0">
-                <a:solidFill>
-                  <a:srgbClr val="FF0000"/>
-                </a:solidFill>
-              </a:rPr>
-              <a:t>Consult someone with good fashion sense</a:t>
-            </a:r>
-          </a:p>
-          <a:p>
-            <a:pPr lvl="2"/>
-            <a:r>
-              <a:rPr lang="en-US" dirty="0">
-                <a:solidFill>
-                  <a:srgbClr val="FF0000"/>
-                </a:solidFill>
-              </a:rPr>
-              <a:t>Cartoon of four demographic models</a:t>
-            </a:r>
-          </a:p>
-          <a:p>
-            <a:pPr lvl="2"/>
-            <a:r>
-              <a:rPr lang="en-US" dirty="0">
-                <a:solidFill>
-                  <a:srgbClr val="FF0000"/>
-                </a:solidFill>
-              </a:rPr>
-              <a:t>Distribution of QP samples</a:t>
-            </a:r>
-          </a:p>
-          <a:p>
-            <a:pPr lvl="2"/>
-            <a:r>
-              <a:rPr lang="en-US" dirty="0">
-                <a:solidFill>
-                  <a:srgbClr val="FF0000"/>
-                </a:solidFill>
-              </a:rPr>
-              <a:t>SFS’s </a:t>
-            </a:r>
-          </a:p>
-          <a:p>
-            <a:pPr lvl="1"/>
-            <a:r>
-              <a:rPr lang="en-US" dirty="0">
-                <a:solidFill>
-                  <a:srgbClr val="FF0000"/>
-                </a:solidFill>
-              </a:rPr>
-              <a:t>Clean-up</a:t>
-            </a:r>
-          </a:p>
-          <a:p>
-            <a:pPr lvl="2"/>
-            <a:r>
-              <a:rPr lang="en-US" dirty="0">
-                <a:solidFill>
-                  <a:srgbClr val="FF0000"/>
-                </a:solidFill>
-              </a:rPr>
-              <a:t>Read out loud for MIDAS section</a:t>
+              <a:rPr lang="en-US" sz="1400" dirty="0"/>
+              <a:t>I’ve not done this,</a:t>
+            </a:r>
+          </a:p>
+          <a:p>
+            <a:r>
+              <a:rPr lang="en-US" sz="1400" dirty="0"/>
+              <a:t>But pi can also be</a:t>
+            </a:r>
+          </a:p>
+          <a:p>
+            <a:r>
+              <a:rPr lang="en-US" sz="1400" dirty="0"/>
+              <a:t>Computed using</a:t>
+            </a:r>
+          </a:p>
+          <a:p>
+            <a:r>
+              <a:rPr lang="en-US" sz="1400" dirty="0"/>
+              <a:t>The “</a:t>
+            </a:r>
+            <a:r>
+              <a:rPr lang="en-US" sz="1400" dirty="0" err="1"/>
+              <a:t>Shloessnig</a:t>
+            </a:r>
+            <a:r>
+              <a:rPr lang="en-US" sz="1400" dirty="0"/>
+              <a:t>”</a:t>
+            </a:r>
+          </a:p>
+          <a:p>
+            <a:r>
+              <a:rPr lang="en-US" sz="1400" dirty="0"/>
+              <a:t>method</a:t>
+            </a:r>
+          </a:p>
+        </p:txBody>
+      </p:sp>
+      <p:sp>
+        <p:nvSpPr>
+          <p:cNvPr id="10" name="TextBox 9">
+            <a:extLst>
+              <a:ext uri="{FF2B5EF4-FFF2-40B4-BE49-F238E27FC236}">
+                <a16:creationId xmlns:a16="http://schemas.microsoft.com/office/drawing/2014/main" id="{70B3AE50-F2D4-7D36-9B61-D51486A52C19}"/>
+              </a:ext>
+            </a:extLst>
+          </p:cNvPr>
+          <p:cNvSpPr txBox="1"/>
+          <p:nvPr/>
+        </p:nvSpPr>
+        <p:spPr>
+          <a:xfrm>
+            <a:off x="10085213" y="2787928"/>
+            <a:ext cx="2256196" cy="3108543"/>
+          </a:xfrm>
+          <a:prstGeom prst="rect">
+            <a:avLst/>
+          </a:prstGeom>
+          <a:noFill/>
+        </p:spPr>
+        <p:txBody>
+          <a:bodyPr wrap="square">
+            <a:spAutoFit/>
+          </a:bodyPr>
+          <a:lstStyle/>
+          <a:p>
+            <a:r>
+              <a:rPr lang="en-US" sz="1400" dirty="0"/>
+              <a:t>Order species by diamond ala Nayfach</a:t>
+            </a:r>
+          </a:p>
+          <a:p>
+            <a:endParaRPr lang="en-US" sz="1400" dirty="0"/>
+          </a:p>
+          <a:p>
+            <a:r>
+              <a:rPr lang="en-US" sz="1400" dirty="0"/>
+              <a:t>Pick species (not counting for time point) &gt;= 5 hosts for both cohorts, i.e., total &gt;= 10 hosts</a:t>
+            </a:r>
+          </a:p>
+          <a:p>
+            <a:endParaRPr lang="en-US" sz="1400" dirty="0"/>
+          </a:p>
+          <a:p>
+            <a:r>
+              <a:rPr lang="en-US" sz="1400" dirty="0"/>
+              <a:t>5 or other number depending</a:t>
+            </a:r>
+          </a:p>
+          <a:p>
+            <a:endParaRPr lang="en-US" sz="1400" dirty="0"/>
+          </a:p>
+          <a:p>
+            <a:r>
+              <a:rPr lang="en-US" sz="1400" dirty="0"/>
+              <a:t>Order by blue diamonds</a:t>
+            </a:r>
+          </a:p>
+          <a:p>
+            <a:endParaRPr lang="en-US" sz="1400" dirty="0"/>
+          </a:p>
+          <a:p>
+            <a:r>
+              <a:rPr lang="en-US" sz="1400" dirty="0"/>
+              <a:t>Remove title</a:t>
             </a:r>
           </a:p>
         </p:txBody>
@@ -4792,7 +4991,7 @@
     </p:spTree>
     <p:extLst>
       <p:ext uri="{BB962C8B-B14F-4D97-AF65-F5344CB8AC3E}">
-        <p14:creationId xmlns:p14="http://schemas.microsoft.com/office/powerpoint/2010/main" val="3138851951"/>
+        <p14:creationId xmlns:p14="http://schemas.microsoft.com/office/powerpoint/2010/main" val="2015771658"/>
       </p:ext>
     </p:extLst>
   </p:cSld>
@@ -4824,6 +5023,469 @@
           <p:cNvPr id="2" name="Title 1">
             <a:extLst>
               <a:ext uri="{FF2B5EF4-FFF2-40B4-BE49-F238E27FC236}">
+                <a16:creationId xmlns:a16="http://schemas.microsoft.com/office/drawing/2014/main" id="{0FD59ED8-51AC-6E92-D869-0B1D7427D4A7}"/>
+              </a:ext>
+            </a:extLst>
+          </p:cNvPr>
+          <p:cNvSpPr>
+            <a:spLocks noGrp="1"/>
+          </p:cNvSpPr>
+          <p:nvPr>
+            <p:ph type="title"/>
+          </p:nvPr>
+        </p:nvSpPr>
+        <p:spPr/>
+        <p:txBody>
+          <a:bodyPr/>
+          <a:lstStyle/>
+          <a:p>
+            <a:r>
+              <a:rPr lang="en-US" dirty="0"/>
+              <a:t>B. Thetaiotaomicron with negative selection</a:t>
+            </a:r>
+          </a:p>
+        </p:txBody>
+      </p:sp>
+      <p:pic>
+        <p:nvPicPr>
+          <p:cNvPr id="5" name="Content Placeholder 4" descr="Chart, bar chart&#10;&#10;Description automatically generated">
+            <a:extLst>
+              <a:ext uri="{FF2B5EF4-FFF2-40B4-BE49-F238E27FC236}">
+                <a16:creationId xmlns:a16="http://schemas.microsoft.com/office/drawing/2014/main" id="{926A0106-E18A-A3B6-D16F-4ACE94C8FFDB}"/>
+              </a:ext>
+            </a:extLst>
+          </p:cNvPr>
+          <p:cNvPicPr>
+            <a:picLocks noGrp="1" noChangeAspect="1"/>
+          </p:cNvPicPr>
+          <p:nvPr>
+            <p:ph idx="1"/>
+          </p:nvPr>
+        </p:nvPicPr>
+        <p:blipFill>
+          <a:blip r:embed="rId2">
+            <a:extLst>
+              <a:ext uri="{28A0092B-C50C-407E-A947-70E740481C1C}">
+                <a14:useLocalDpi xmlns:a14="http://schemas.microsoft.com/office/drawing/2010/main" val="0"/>
+              </a:ext>
+            </a:extLst>
+          </a:blip>
+          <a:stretch>
+            <a:fillRect/>
+          </a:stretch>
+        </p:blipFill>
+        <p:spPr>
+          <a:xfrm>
+            <a:off x="337624" y="1257521"/>
+            <a:ext cx="8362834" cy="5351093"/>
+          </a:xfrm>
+        </p:spPr>
+      </p:pic>
+    </p:spTree>
+    <p:extLst>
+      <p:ext uri="{BB962C8B-B14F-4D97-AF65-F5344CB8AC3E}">
+        <p14:creationId xmlns:p14="http://schemas.microsoft.com/office/powerpoint/2010/main" val="3936373806"/>
+      </p:ext>
+    </p:extLst>
+  </p:cSld>
+  <p:clrMapOvr>
+    <a:masterClrMapping/>
+  </p:clrMapOvr>
+</p:sld>
+</file>
+
+<file path=ppt/slides/slide15.xml><?xml version="1.0" encoding="utf-8"?>
+<p:sld xmlns:a="http://schemas.openxmlformats.org/drawingml/2006/main" xmlns:r="http://schemas.openxmlformats.org/officeDocument/2006/relationships" xmlns:p="http://schemas.openxmlformats.org/presentationml/2006/main">
+  <p:cSld>
+    <p:spTree>
+      <p:nvGrpSpPr>
+        <p:cNvPr id="1" name=""/>
+        <p:cNvGrpSpPr/>
+        <p:nvPr/>
+      </p:nvGrpSpPr>
+      <p:grpSpPr>
+        <a:xfrm>
+          <a:off x="0" y="0"/>
+          <a:ext cx="0" cy="0"/>
+          <a:chOff x="0" y="0"/>
+          <a:chExt cx="0" cy="0"/>
+        </a:xfrm>
+      </p:grpSpPr>
+      <p:sp>
+        <p:nvSpPr>
+          <p:cNvPr id="2" name="Title 1">
+            <a:extLst>
+              <a:ext uri="{FF2B5EF4-FFF2-40B4-BE49-F238E27FC236}">
+                <a16:creationId xmlns:a16="http://schemas.microsoft.com/office/drawing/2014/main" id="{0FD59ED8-51AC-6E92-D869-0B1D7427D4A7}"/>
+              </a:ext>
+            </a:extLst>
+          </p:cNvPr>
+          <p:cNvSpPr>
+            <a:spLocks noGrp="1"/>
+          </p:cNvSpPr>
+          <p:nvPr>
+            <p:ph type="title"/>
+          </p:nvPr>
+        </p:nvSpPr>
+        <p:spPr/>
+        <p:txBody>
+          <a:bodyPr/>
+          <a:lstStyle/>
+          <a:p>
+            <a:r>
+              <a:rPr lang="en-US" dirty="0"/>
+              <a:t>MIDAS Oral</a:t>
+            </a:r>
+          </a:p>
+        </p:txBody>
+      </p:sp>
+      <p:sp>
+        <p:nvSpPr>
+          <p:cNvPr id="3" name="Content Placeholder 2">
+            <a:extLst>
+              <a:ext uri="{FF2B5EF4-FFF2-40B4-BE49-F238E27FC236}">
+                <a16:creationId xmlns:a16="http://schemas.microsoft.com/office/drawing/2014/main" id="{BB4FC36F-5D40-EB30-6494-2A8923B3B071}"/>
+              </a:ext>
+            </a:extLst>
+          </p:cNvPr>
+          <p:cNvSpPr>
+            <a:spLocks noGrp="1"/>
+          </p:cNvSpPr>
+          <p:nvPr>
+            <p:ph idx="1"/>
+          </p:nvPr>
+        </p:nvSpPr>
+        <p:spPr/>
+        <p:txBody>
+          <a:bodyPr/>
+          <a:lstStyle/>
+          <a:p>
+            <a:r>
+              <a:rPr lang="en-US" dirty="0"/>
+              <a:t>Species_profile.txt = 339/339</a:t>
+            </a:r>
+          </a:p>
+          <a:p>
+            <a:r>
+              <a:rPr lang="en-US" dirty="0"/>
+              <a:t>Species union step finished for 186 people (339 unique time x host points)</a:t>
+            </a:r>
+          </a:p>
+          <a:p>
+            <a:r>
+              <a:rPr lang="en-US" dirty="0" err="1"/>
+              <a:t>Snps</a:t>
+            </a:r>
+            <a:r>
+              <a:rPr lang="en-US" dirty="0"/>
+              <a:t> step = 320/339 hosts</a:t>
+            </a:r>
+          </a:p>
+          <a:p>
+            <a:r>
+              <a:rPr lang="en-US" dirty="0"/>
+              <a:t>Genes step = 324/339 hosts</a:t>
+            </a:r>
+          </a:p>
+        </p:txBody>
+      </p:sp>
+    </p:spTree>
+    <p:extLst>
+      <p:ext uri="{BB962C8B-B14F-4D97-AF65-F5344CB8AC3E}">
+        <p14:creationId xmlns:p14="http://schemas.microsoft.com/office/powerpoint/2010/main" val="1931460690"/>
+      </p:ext>
+    </p:extLst>
+  </p:cSld>
+  <p:clrMapOvr>
+    <a:masterClrMapping/>
+  </p:clrMapOvr>
+</p:sld>
+</file>
+
+<file path=ppt/slides/slide16.xml><?xml version="1.0" encoding="utf-8"?>
+<p:sld xmlns:a="http://schemas.openxmlformats.org/drawingml/2006/main" xmlns:r="http://schemas.openxmlformats.org/officeDocument/2006/relationships" xmlns:p="http://schemas.openxmlformats.org/presentationml/2006/main">
+  <p:cSld>
+    <p:spTree>
+      <p:nvGrpSpPr>
+        <p:cNvPr id="1" name=""/>
+        <p:cNvGrpSpPr/>
+        <p:nvPr/>
+      </p:nvGrpSpPr>
+      <p:grpSpPr>
+        <a:xfrm>
+          <a:off x="0" y="0"/>
+          <a:ext cx="0" cy="0"/>
+          <a:chOff x="0" y="0"/>
+          <a:chExt cx="0" cy="0"/>
+        </a:xfrm>
+      </p:grpSpPr>
+      <p:sp>
+        <p:nvSpPr>
+          <p:cNvPr id="2" name="Title 1">
+            <a:extLst>
+              <a:ext uri="{FF2B5EF4-FFF2-40B4-BE49-F238E27FC236}">
+                <a16:creationId xmlns:a16="http://schemas.microsoft.com/office/drawing/2014/main" id="{82A13C69-9960-AE20-E607-565A44A96D2D}"/>
+              </a:ext>
+            </a:extLst>
+          </p:cNvPr>
+          <p:cNvSpPr>
+            <a:spLocks noGrp="1"/>
+          </p:cNvSpPr>
+          <p:nvPr>
+            <p:ph type="title"/>
+          </p:nvPr>
+        </p:nvSpPr>
+        <p:spPr/>
+        <p:txBody>
+          <a:bodyPr/>
+          <a:lstStyle/>
+          <a:p>
+            <a:r>
+              <a:rPr lang="en-US" dirty="0"/>
+              <a:t>TODO</a:t>
+            </a:r>
+          </a:p>
+        </p:txBody>
+      </p:sp>
+      <p:sp>
+        <p:nvSpPr>
+          <p:cNvPr id="3" name="Content Placeholder 2">
+            <a:extLst>
+              <a:ext uri="{FF2B5EF4-FFF2-40B4-BE49-F238E27FC236}">
+                <a16:creationId xmlns:a16="http://schemas.microsoft.com/office/drawing/2014/main" id="{F1424677-5EFD-6620-B214-60823D25C5F2}"/>
+              </a:ext>
+            </a:extLst>
+          </p:cNvPr>
+          <p:cNvSpPr>
+            <a:spLocks noGrp="1"/>
+          </p:cNvSpPr>
+          <p:nvPr>
+            <p:ph idx="1"/>
+          </p:nvPr>
+        </p:nvSpPr>
+        <p:spPr/>
+        <p:txBody>
+          <a:bodyPr>
+            <a:normAutofit fontScale="92500" lnSpcReduction="20000"/>
+          </a:bodyPr>
+          <a:lstStyle/>
+          <a:p>
+            <a:r>
+              <a:rPr lang="en-US" dirty="0">
+                <a:solidFill>
+                  <a:srgbClr val="FF0000"/>
+                </a:solidFill>
+              </a:rPr>
+              <a:t>Writing</a:t>
+            </a:r>
+          </a:p>
+          <a:p>
+            <a:pPr lvl="1"/>
+            <a:r>
+              <a:rPr lang="en-US" dirty="0">
+                <a:solidFill>
+                  <a:srgbClr val="FF0000"/>
+                </a:solidFill>
+              </a:rPr>
+              <a:t>Results: New version of figure 2:</a:t>
+            </a:r>
+          </a:p>
+          <a:p>
+            <a:pPr lvl="2"/>
+            <a:r>
+              <a:rPr lang="en-US" dirty="0">
+                <a:solidFill>
+                  <a:srgbClr val="FF0000"/>
+                </a:solidFill>
+              </a:rPr>
+              <a:t>Cornejo-</a:t>
+            </a:r>
+            <a:r>
+              <a:rPr lang="en-US" dirty="0" err="1">
+                <a:solidFill>
+                  <a:srgbClr val="FF0000"/>
+                </a:solidFill>
+              </a:rPr>
+              <a:t>esque</a:t>
+            </a:r>
+            <a:r>
+              <a:rPr lang="en-US" dirty="0">
+                <a:solidFill>
+                  <a:srgbClr val="FF0000"/>
+                </a:solidFill>
+              </a:rPr>
+              <a:t> demographic model (but contraction)</a:t>
+            </a:r>
+          </a:p>
+          <a:p>
+            <a:pPr lvl="2"/>
+            <a:r>
+              <a:rPr lang="en-US" dirty="0">
+                <a:solidFill>
+                  <a:srgbClr val="FF0000"/>
+                </a:solidFill>
+              </a:rPr>
+              <a:t>SFS for B. thetaiotaomicron</a:t>
+            </a:r>
+          </a:p>
+          <a:p>
+            <a:pPr lvl="2"/>
+            <a:r>
+              <a:rPr lang="en-US" dirty="0">
+                <a:solidFill>
+                  <a:srgbClr val="FF0000"/>
+                </a:solidFill>
+              </a:rPr>
+              <a:t>Possibly include likelihood plot</a:t>
+            </a:r>
+          </a:p>
+          <a:p>
+            <a:pPr lvl="2"/>
+            <a:r>
+              <a:rPr lang="en-US" dirty="0">
+                <a:solidFill>
+                  <a:srgbClr val="FF0000"/>
+                </a:solidFill>
+              </a:rPr>
+              <a:t>Update cartoons / figures with current script</a:t>
+            </a:r>
+          </a:p>
+          <a:p>
+            <a:pPr lvl="1"/>
+            <a:r>
+              <a:rPr lang="en-US" dirty="0">
+                <a:solidFill>
+                  <a:srgbClr val="FF0000"/>
+                </a:solidFill>
+              </a:rPr>
+              <a:t>Methods: </a:t>
+            </a:r>
+          </a:p>
+          <a:p>
+            <a:pPr lvl="2"/>
+            <a:r>
+              <a:rPr lang="en-US" dirty="0">
+                <a:solidFill>
+                  <a:srgbClr val="FF0000"/>
+                </a:solidFill>
+              </a:rPr>
+              <a:t>Remove distribution of QP samples </a:t>
+            </a:r>
+          </a:p>
+          <a:p>
+            <a:pPr lvl="1"/>
+            <a:r>
+              <a:rPr lang="en-US" dirty="0">
+                <a:solidFill>
+                  <a:srgbClr val="FF0000"/>
+                </a:solidFill>
+              </a:rPr>
+              <a:t>Supplement:</a:t>
+            </a:r>
+          </a:p>
+          <a:p>
+            <a:pPr lvl="2"/>
+            <a:r>
+              <a:rPr lang="en-US" b="1" dirty="0">
+                <a:solidFill>
+                  <a:srgbClr val="FF0000"/>
+                </a:solidFill>
+              </a:rPr>
+              <a:t>Consult someone with good fashion sense</a:t>
+            </a:r>
+          </a:p>
+          <a:p>
+            <a:pPr lvl="2"/>
+            <a:r>
+              <a:rPr lang="en-US" dirty="0">
+                <a:solidFill>
+                  <a:srgbClr val="FF0000"/>
+                </a:solidFill>
+              </a:rPr>
+              <a:t>Cartoon of four demographic models</a:t>
+            </a:r>
+          </a:p>
+          <a:p>
+            <a:pPr lvl="2"/>
+            <a:r>
+              <a:rPr lang="en-US" dirty="0">
+                <a:solidFill>
+                  <a:srgbClr val="FF0000"/>
+                </a:solidFill>
+              </a:rPr>
+              <a:t>Distribution of QP samples</a:t>
+            </a:r>
+          </a:p>
+          <a:p>
+            <a:pPr lvl="2"/>
+            <a:r>
+              <a:rPr lang="en-US" dirty="0">
+                <a:solidFill>
+                  <a:srgbClr val="FF0000"/>
+                </a:solidFill>
+              </a:rPr>
+              <a:t>SFS’s </a:t>
+            </a:r>
+          </a:p>
+          <a:p>
+            <a:pPr lvl="1"/>
+            <a:r>
+              <a:rPr lang="en-US" dirty="0">
+                <a:solidFill>
+                  <a:srgbClr val="FF0000"/>
+                </a:solidFill>
+              </a:rPr>
+              <a:t>Clean-up</a:t>
+            </a:r>
+          </a:p>
+          <a:p>
+            <a:pPr lvl="2"/>
+            <a:r>
+              <a:rPr lang="en-US" dirty="0">
+                <a:solidFill>
+                  <a:srgbClr val="FF0000"/>
+                </a:solidFill>
+              </a:rPr>
+              <a:t>Read out loud for MIDAS section</a:t>
+            </a:r>
+          </a:p>
+        </p:txBody>
+      </p:sp>
+    </p:spTree>
+    <p:extLst>
+      <p:ext uri="{BB962C8B-B14F-4D97-AF65-F5344CB8AC3E}">
+        <p14:creationId xmlns:p14="http://schemas.microsoft.com/office/powerpoint/2010/main" val="3138851951"/>
+      </p:ext>
+    </p:extLst>
+  </p:cSld>
+  <p:clrMapOvr>
+    <a:masterClrMapping/>
+  </p:clrMapOvr>
+</p:sld>
+</file>
+
+<file path=ppt/slides/slide17.xml><?xml version="1.0" encoding="utf-8"?>
+<p:sld xmlns:a="http://schemas.openxmlformats.org/drawingml/2006/main" xmlns:r="http://schemas.openxmlformats.org/officeDocument/2006/relationships" xmlns:p="http://schemas.openxmlformats.org/presentationml/2006/main">
+  <p:cSld>
+    <p:spTree>
+      <p:nvGrpSpPr>
+        <p:cNvPr id="1" name=""/>
+        <p:cNvGrpSpPr/>
+        <p:nvPr/>
+      </p:nvGrpSpPr>
+      <p:grpSpPr>
+        <a:xfrm>
+          <a:off x="0" y="0"/>
+          <a:ext cx="0" cy="0"/>
+          <a:chOff x="0" y="0"/>
+          <a:chExt cx="0" cy="0"/>
+        </a:xfrm>
+      </p:grpSpPr>
+      <p:sp>
+        <p:nvSpPr>
+          <p:cNvPr id="2" name="Title 1">
+            <a:extLst>
+              <a:ext uri="{FF2B5EF4-FFF2-40B4-BE49-F238E27FC236}">
                 <a16:creationId xmlns:a16="http://schemas.microsoft.com/office/drawing/2014/main" id="{82A13C69-9960-AE20-E607-565A44A96D2D}"/>
               </a:ext>
             </a:extLst>
@@ -4979,6 +5641,302 @@
     <p:extLst>
       <p:ext uri="{BB962C8B-B14F-4D97-AF65-F5344CB8AC3E}">
         <p14:creationId xmlns:p14="http://schemas.microsoft.com/office/powerpoint/2010/main" val="2781293637"/>
+      </p:ext>
+    </p:extLst>
+  </p:cSld>
+  <p:clrMapOvr>
+    <a:masterClrMapping/>
+  </p:clrMapOvr>
+</p:sld>
+</file>
+
+<file path=ppt/slides/slide18.xml><?xml version="1.0" encoding="utf-8"?>
+<p:sld xmlns:a="http://schemas.openxmlformats.org/drawingml/2006/main" xmlns:r="http://schemas.openxmlformats.org/officeDocument/2006/relationships" xmlns:p="http://schemas.openxmlformats.org/presentationml/2006/main">
+  <p:cSld>
+    <p:spTree>
+      <p:nvGrpSpPr>
+        <p:cNvPr id="1" name=""/>
+        <p:cNvGrpSpPr/>
+        <p:nvPr/>
+      </p:nvGrpSpPr>
+      <p:grpSpPr>
+        <a:xfrm>
+          <a:off x="0" y="0"/>
+          <a:ext cx="0" cy="0"/>
+          <a:chOff x="0" y="0"/>
+          <a:chExt cx="0" cy="0"/>
+        </a:xfrm>
+      </p:grpSpPr>
+      <p:sp>
+        <p:nvSpPr>
+          <p:cNvPr id="2" name="Title 1">
+            <a:extLst>
+              <a:ext uri="{FF2B5EF4-FFF2-40B4-BE49-F238E27FC236}">
+                <a16:creationId xmlns:a16="http://schemas.microsoft.com/office/drawing/2014/main" id="{A602EA1E-DA58-BED5-FDEE-69838F68237F}"/>
+              </a:ext>
+            </a:extLst>
+          </p:cNvPr>
+          <p:cNvSpPr>
+            <a:spLocks noGrp="1"/>
+          </p:cNvSpPr>
+          <p:nvPr>
+            <p:ph type="title"/>
+          </p:nvPr>
+        </p:nvSpPr>
+        <p:spPr/>
+        <p:txBody>
+          <a:bodyPr/>
+          <a:lstStyle/>
+          <a:p>
+            <a:r>
+              <a:rPr lang="en-US" dirty="0" err="1"/>
+              <a:t>Todo</a:t>
+            </a:r>
+            <a:r>
+              <a:rPr lang="en-US" dirty="0"/>
+              <a:t> 20220815</a:t>
+            </a:r>
+          </a:p>
+        </p:txBody>
+      </p:sp>
+      <p:sp>
+        <p:nvSpPr>
+          <p:cNvPr id="3" name="Content Placeholder 2">
+            <a:extLst>
+              <a:ext uri="{FF2B5EF4-FFF2-40B4-BE49-F238E27FC236}">
+                <a16:creationId xmlns:a16="http://schemas.microsoft.com/office/drawing/2014/main" id="{1747A062-6D09-3F49-9719-9EC1D1335A5B}"/>
+              </a:ext>
+            </a:extLst>
+          </p:cNvPr>
+          <p:cNvSpPr>
+            <a:spLocks noGrp="1"/>
+          </p:cNvSpPr>
+          <p:nvPr>
+            <p:ph idx="1"/>
+          </p:nvPr>
+        </p:nvSpPr>
+        <p:spPr/>
+        <p:txBody>
+          <a:bodyPr/>
+          <a:lstStyle/>
+          <a:p>
+            <a:r>
+              <a:rPr lang="en-US" dirty="0"/>
+              <a:t>Write in greater detail about nucleotide diversity figure</a:t>
+            </a:r>
+          </a:p>
+          <a:p>
+            <a:pPr lvl="1"/>
+            <a:r>
+              <a:rPr lang="en-US" dirty="0"/>
+              <a:t>Read through:</a:t>
+            </a:r>
+          </a:p>
+          <a:p>
+            <a:pPr lvl="2"/>
+            <a:r>
+              <a:rPr lang="en-US" dirty="0"/>
+              <a:t>Suzuki 2021</a:t>
+            </a:r>
+          </a:p>
+          <a:p>
+            <a:pPr lvl="2"/>
+            <a:r>
+              <a:rPr lang="en-US" dirty="0"/>
+              <a:t>Spencer 2022</a:t>
+            </a:r>
+          </a:p>
+          <a:p>
+            <a:pPr lvl="2"/>
+            <a:r>
+              <a:rPr lang="en-US" dirty="0" err="1"/>
+              <a:t>Tamburini</a:t>
+            </a:r>
+            <a:endParaRPr lang="en-US" dirty="0"/>
+          </a:p>
+          <a:p>
+            <a:pPr lvl="2"/>
+            <a:r>
+              <a:rPr lang="en-US" dirty="0" err="1"/>
+              <a:t>Orsted</a:t>
+            </a:r>
+            <a:r>
+              <a:rPr lang="en-US" dirty="0"/>
+              <a:t> 2022</a:t>
+            </a:r>
+          </a:p>
+          <a:p>
+            <a:pPr lvl="1"/>
+            <a:r>
+              <a:rPr lang="en-US" dirty="0"/>
+              <a:t>What does pi mean at different magnitudes? 10e-2 vs. 10e-4</a:t>
+            </a:r>
+          </a:p>
+          <a:p>
+            <a:pPr lvl="2"/>
+            <a:r>
+              <a:rPr lang="en-US" dirty="0"/>
+              <a:t>10e-2 might suggest differences between strains</a:t>
+            </a:r>
+          </a:p>
+          <a:p>
+            <a:pPr lvl="2"/>
+            <a:r>
+              <a:rPr lang="en-US" dirty="0"/>
+              <a:t>10e-4</a:t>
+            </a:r>
+          </a:p>
+        </p:txBody>
+      </p:sp>
+    </p:spTree>
+    <p:extLst>
+      <p:ext uri="{BB962C8B-B14F-4D97-AF65-F5344CB8AC3E}">
+        <p14:creationId xmlns:p14="http://schemas.microsoft.com/office/powerpoint/2010/main" val="3538373345"/>
+      </p:ext>
+    </p:extLst>
+  </p:cSld>
+  <p:clrMapOvr>
+    <a:masterClrMapping/>
+  </p:clrMapOvr>
+</p:sld>
+</file>
+
+<file path=ppt/slides/slide19.xml><?xml version="1.0" encoding="utf-8"?>
+<p:sld xmlns:a="http://schemas.openxmlformats.org/drawingml/2006/main" xmlns:r="http://schemas.openxmlformats.org/officeDocument/2006/relationships" xmlns:p="http://schemas.openxmlformats.org/presentationml/2006/main">
+  <p:cSld>
+    <p:spTree>
+      <p:nvGrpSpPr>
+        <p:cNvPr id="1" name=""/>
+        <p:cNvGrpSpPr/>
+        <p:nvPr/>
+      </p:nvGrpSpPr>
+      <p:grpSpPr>
+        <a:xfrm>
+          <a:off x="0" y="0"/>
+          <a:ext cx="0" cy="0"/>
+          <a:chOff x="0" y="0"/>
+          <a:chExt cx="0" cy="0"/>
+        </a:xfrm>
+      </p:grpSpPr>
+      <p:sp>
+        <p:nvSpPr>
+          <p:cNvPr id="2" name="Title 1">
+            <a:extLst>
+              <a:ext uri="{FF2B5EF4-FFF2-40B4-BE49-F238E27FC236}">
+                <a16:creationId xmlns:a16="http://schemas.microsoft.com/office/drawing/2014/main" id="{A602EA1E-DA58-BED5-FDEE-69838F68237F}"/>
+              </a:ext>
+            </a:extLst>
+          </p:cNvPr>
+          <p:cNvSpPr>
+            <a:spLocks noGrp="1"/>
+          </p:cNvSpPr>
+          <p:nvPr>
+            <p:ph type="title"/>
+          </p:nvPr>
+        </p:nvSpPr>
+        <p:spPr/>
+        <p:txBody>
+          <a:bodyPr/>
+          <a:lstStyle/>
+          <a:p>
+            <a:r>
+              <a:rPr lang="en-US" dirty="0"/>
+              <a:t>TODO 20220815</a:t>
+            </a:r>
+          </a:p>
+        </p:txBody>
+      </p:sp>
+      <p:sp>
+        <p:nvSpPr>
+          <p:cNvPr id="3" name="Content Placeholder 2">
+            <a:extLst>
+              <a:ext uri="{FF2B5EF4-FFF2-40B4-BE49-F238E27FC236}">
+                <a16:creationId xmlns:a16="http://schemas.microsoft.com/office/drawing/2014/main" id="{1747A062-6D09-3F49-9719-9EC1D1335A5B}"/>
+              </a:ext>
+            </a:extLst>
+          </p:cNvPr>
+          <p:cNvSpPr>
+            <a:spLocks noGrp="1"/>
+          </p:cNvSpPr>
+          <p:nvPr>
+            <p:ph idx="1"/>
+          </p:nvPr>
+        </p:nvSpPr>
+        <p:spPr/>
+        <p:txBody>
+          <a:bodyPr/>
+          <a:lstStyle/>
+          <a:p>
+            <a:r>
+              <a:rPr lang="en-US" dirty="0"/>
+              <a:t>Fix species script for oral data</a:t>
+            </a:r>
+          </a:p>
+          <a:p>
+            <a:r>
+              <a:rPr lang="en-US" dirty="0"/>
+              <a:t>SFSs for supplement + main text (B. </a:t>
+            </a:r>
+            <a:r>
+              <a:rPr lang="en-US" dirty="0" err="1"/>
+              <a:t>intestinihominis</a:t>
+            </a:r>
+            <a:r>
+              <a:rPr lang="en-US" dirty="0"/>
+              <a:t>)</a:t>
+            </a:r>
+          </a:p>
+          <a:p>
+            <a:r>
+              <a:rPr lang="en-US" dirty="0"/>
+              <a:t>Likelihood search + expanded plotting</a:t>
+            </a:r>
+          </a:p>
+          <a:p>
+            <a:pPr lvl="1"/>
+            <a:r>
+              <a:rPr lang="en-US" dirty="0"/>
+              <a:t>Look for better SFS fit</a:t>
+            </a:r>
+          </a:p>
+          <a:p>
+            <a:r>
+              <a:rPr lang="en-US" dirty="0"/>
+              <a:t>Pi chart set to IID</a:t>
+            </a:r>
+          </a:p>
+          <a:p>
+            <a:r>
+              <a:rPr lang="en-US" dirty="0"/>
+              <a:t>Hit up Kirk for the LL </a:t>
+            </a:r>
+            <a:r>
+              <a:rPr lang="en-US" dirty="0" err="1"/>
+              <a:t>deets</a:t>
+            </a:r>
+            <a:endParaRPr lang="en-US" dirty="0"/>
+          </a:p>
+          <a:p>
+            <a:pPr lvl="1"/>
+            <a:r>
+              <a:rPr lang="en-US" dirty="0"/>
+              <a:t>Bounce off </a:t>
+            </a:r>
+            <a:r>
+              <a:rPr lang="en-US" dirty="0" err="1"/>
+              <a:t>microb</a:t>
+            </a:r>
+            <a:r>
+              <a:rPr lang="en-US" dirty="0"/>
+              <a:t> stuff to make sure I don’t talk to myself too much</a:t>
+            </a:r>
+          </a:p>
+        </p:txBody>
+      </p:sp>
+    </p:spTree>
+    <p:extLst>
+      <p:ext uri="{BB962C8B-B14F-4D97-AF65-F5344CB8AC3E}">
+        <p14:creationId xmlns:p14="http://schemas.microsoft.com/office/powerpoint/2010/main" val="1096774847"/>
       </p:ext>
     </p:extLst>
   </p:cSld>
@@ -5163,7 +6121,12 @@
             <p:ph type="title"/>
           </p:nvPr>
         </p:nvSpPr>
-        <p:spPr/>
+        <p:spPr>
+          <a:xfrm>
+            <a:off x="0" y="324784"/>
+            <a:ext cx="10515600" cy="1325563"/>
+          </a:xfrm>
+        </p:spPr>
         <p:txBody>
           <a:bodyPr/>
           <a:lstStyle/>
@@ -5203,7 +6166,7 @@
         </p:blipFill>
         <p:spPr>
           <a:xfrm>
-            <a:off x="2870118" y="0"/>
+            <a:off x="2184318" y="0"/>
             <a:ext cx="6451764" cy="6858000"/>
           </a:xfrm>
           <a:prstGeom prst="rect">
@@ -5211,6 +6174,150 @@
           </a:prstGeom>
         </p:spPr>
       </p:pic>
+      <p:sp>
+        <p:nvSpPr>
+          <p:cNvPr id="3" name="TextBox 2">
+            <a:extLst>
+              <a:ext uri="{FF2B5EF4-FFF2-40B4-BE49-F238E27FC236}">
+                <a16:creationId xmlns:a16="http://schemas.microsoft.com/office/drawing/2014/main" id="{1B5CE104-2AB2-6D90-DE18-FE3A56690CF6}"/>
+              </a:ext>
+            </a:extLst>
+          </p:cNvPr>
+          <p:cNvSpPr txBox="1"/>
+          <p:nvPr/>
+        </p:nvSpPr>
+        <p:spPr>
+          <a:xfrm>
+            <a:off x="9407583" y="584200"/>
+            <a:ext cx="2784417" cy="5078313"/>
+          </a:xfrm>
+          <a:prstGeom prst="rect">
+            <a:avLst/>
+          </a:prstGeom>
+          <a:noFill/>
+        </p:spPr>
+        <p:txBody>
+          <a:bodyPr wrap="none" rtlCol="0">
+            <a:spAutoFit/>
+          </a:bodyPr>
+          <a:lstStyle/>
+          <a:p>
+            <a:r>
+              <a:rPr lang="en-US" dirty="0"/>
+              <a:t>Empirical data fits</a:t>
+            </a:r>
+          </a:p>
+          <a:p>
+            <a:r>
+              <a:rPr lang="en-US" dirty="0"/>
+              <a:t>Poorly to two-epoch</a:t>
+            </a:r>
+          </a:p>
+          <a:p>
+            <a:endParaRPr lang="en-US" dirty="0"/>
+          </a:p>
+          <a:p>
+            <a:endParaRPr lang="en-US" dirty="0"/>
+          </a:p>
+          <a:p>
+            <a:r>
+              <a:rPr lang="en-US" dirty="0"/>
+              <a:t>Also it doesn’t really</a:t>
+            </a:r>
+          </a:p>
+          <a:p>
+            <a:r>
+              <a:rPr lang="en-US" dirty="0"/>
+              <a:t>Make sense to show</a:t>
+            </a:r>
+          </a:p>
+          <a:p>
+            <a:r>
+              <a:rPr lang="en-US" dirty="0"/>
+              <a:t>The results that</a:t>
+            </a:r>
+          </a:p>
+          <a:p>
+            <a:r>
+              <a:rPr lang="en-US" dirty="0"/>
+              <a:t>Give “bad” time</a:t>
+            </a:r>
+          </a:p>
+          <a:p>
+            <a:endParaRPr lang="en-US" dirty="0"/>
+          </a:p>
+          <a:p>
+            <a:r>
+              <a:rPr lang="en-US" dirty="0"/>
+              <a:t>Pick a better example,</a:t>
+            </a:r>
+          </a:p>
+          <a:p>
+            <a:r>
+              <a:rPr lang="en-US" dirty="0"/>
+              <a:t>e.g., B. </a:t>
+            </a:r>
+            <a:r>
+              <a:rPr lang="en-US" dirty="0" err="1"/>
+              <a:t>intestinihominis</a:t>
+            </a:r>
+            <a:endParaRPr lang="en-US" dirty="0"/>
+          </a:p>
+          <a:p>
+            <a:endParaRPr lang="en-US" dirty="0"/>
+          </a:p>
+          <a:p>
+            <a:r>
+              <a:rPr lang="en-US" dirty="0">
+                <a:solidFill>
+                  <a:srgbClr val="FF0000"/>
+                </a:solidFill>
+              </a:rPr>
+              <a:t>On supplemental full </a:t>
+            </a:r>
+          </a:p>
+          <a:p>
+            <a:r>
+              <a:rPr lang="en-US" dirty="0">
+                <a:solidFill>
+                  <a:srgbClr val="FF0000"/>
+                </a:solidFill>
+              </a:rPr>
+              <a:t>figure report best model +</a:t>
+            </a:r>
+          </a:p>
+          <a:p>
+            <a:r>
+              <a:rPr lang="en-US" dirty="0">
+                <a:solidFill>
+                  <a:srgbClr val="FF0000"/>
+                </a:solidFill>
+              </a:rPr>
+              <a:t>Empirical + one-epoch  only</a:t>
+            </a:r>
+          </a:p>
+          <a:p>
+            <a:r>
+              <a:rPr lang="en-US" dirty="0">
+                <a:solidFill>
+                  <a:srgbClr val="FF0000"/>
+                </a:solidFill>
+              </a:rPr>
+              <a:t>For species w/ contraction</a:t>
+            </a:r>
+            <a:br>
+              <a:rPr lang="en-US" dirty="0"/>
+            </a:br>
+            <a:br>
+              <a:rPr lang="en-US" dirty="0"/>
+            </a:br>
+            <a:r>
+              <a:rPr lang="en-US" dirty="0"/>
+              <a:t>In table show all</a:t>
+            </a:r>
+          </a:p>
+        </p:txBody>
+      </p:sp>
     </p:spTree>
     <p:extLst>
       <p:ext uri="{BB962C8B-B14F-4D97-AF65-F5344CB8AC3E}">
@@ -5243,10 +6350,10 @@
       </p:grpSpPr>
       <p:sp>
         <p:nvSpPr>
-          <p:cNvPr id="2" name="Title 1">
-            <a:extLst>
-              <a:ext uri="{FF2B5EF4-FFF2-40B4-BE49-F238E27FC236}">
-                <a16:creationId xmlns:a16="http://schemas.microsoft.com/office/drawing/2014/main" id="{5DD6B107-B951-60CE-2062-5F1DB2585525}"/>
+          <p:cNvPr id="8" name="Title 7">
+            <a:extLst>
+              <a:ext uri="{FF2B5EF4-FFF2-40B4-BE49-F238E27FC236}">
+                <a16:creationId xmlns:a16="http://schemas.microsoft.com/office/drawing/2014/main" id="{5261F795-AC8D-5353-1B78-5C62B853111D}"/>
               </a:ext>
             </a:extLst>
           </p:cNvPr>
@@ -5264,227 +6371,51 @@
           <a:p>
             <a:r>
               <a:rPr lang="en-US" dirty="0"/>
-              <a:t>Likelihood Surface</a:t>
-            </a:r>
-          </a:p>
-        </p:txBody>
-      </p:sp>
-      <p:sp>
-        <p:nvSpPr>
-          <p:cNvPr id="4" name="Content Placeholder 3">
-            <a:extLst>
-              <a:ext uri="{FF2B5EF4-FFF2-40B4-BE49-F238E27FC236}">
-                <a16:creationId xmlns:a16="http://schemas.microsoft.com/office/drawing/2014/main" id="{C6AA128A-CDE8-10DA-588A-2516AF4D6F39}"/>
-              </a:ext>
-            </a:extLst>
-          </p:cNvPr>
-          <p:cNvSpPr>
-            <a:spLocks noGrp="1"/>
-          </p:cNvSpPr>
-          <p:nvPr>
-            <p:ph idx="1"/>
-          </p:nvPr>
-        </p:nvSpPr>
-        <p:spPr/>
-        <p:txBody>
-          <a:bodyPr/>
-          <a:lstStyle/>
-          <a:p>
-            <a:pPr lvl="1"/>
-            <a:r>
-              <a:rPr lang="en-US" dirty="0">
-                <a:highlight>
-                  <a:srgbClr val="FFFF00"/>
-                </a:highlight>
-                <a:latin typeface="Yu Gothic" panose="020B0400000000000000" pitchFamily="34" charset="-128"/>
-                <a:ea typeface="Yu Gothic" panose="020B0400000000000000" pitchFamily="34" charset="-128"/>
-              </a:rPr>
-              <a:t>A. </a:t>
-            </a:r>
-            <a:r>
-              <a:rPr lang="en-US" dirty="0" err="1">
-                <a:highlight>
-                  <a:srgbClr val="FFFF00"/>
-                </a:highlight>
-                <a:latin typeface="Yu Gothic" panose="020B0400000000000000" pitchFamily="34" charset="-128"/>
-                <a:ea typeface="Yu Gothic" panose="020B0400000000000000" pitchFamily="34" charset="-128"/>
-              </a:rPr>
-              <a:t>muciniphila</a:t>
-            </a:r>
-            <a:endParaRPr lang="en-US" dirty="0">
-              <a:highlight>
-                <a:srgbClr val="FFFF00"/>
-              </a:highlight>
-              <a:latin typeface="Yu Gothic" panose="020B0400000000000000" pitchFamily="34" charset="-128"/>
-              <a:ea typeface="Yu Gothic" panose="020B0400000000000000" pitchFamily="34" charset="-128"/>
-            </a:endParaRPr>
-          </a:p>
-          <a:p>
-            <a:pPr lvl="1"/>
-            <a:r>
-              <a:rPr lang="en-US" dirty="0">
-                <a:highlight>
-                  <a:srgbClr val="FFFF00"/>
-                </a:highlight>
-                <a:latin typeface="Yu Gothic" panose="020B0400000000000000" pitchFamily="34" charset="-128"/>
-                <a:ea typeface="Yu Gothic" panose="020B0400000000000000" pitchFamily="34" charset="-128"/>
-              </a:rPr>
-              <a:t>A. </a:t>
-            </a:r>
-            <a:r>
-              <a:rPr lang="en-US" dirty="0" err="1">
-                <a:highlight>
-                  <a:srgbClr val="FFFF00"/>
-                </a:highlight>
-                <a:latin typeface="Yu Gothic" panose="020B0400000000000000" pitchFamily="34" charset="-128"/>
-                <a:ea typeface="Yu Gothic" panose="020B0400000000000000" pitchFamily="34" charset="-128"/>
-              </a:rPr>
-              <a:t>onderdonkii</a:t>
-            </a:r>
-            <a:endParaRPr lang="en-US" dirty="0">
-              <a:highlight>
-                <a:srgbClr val="FFFF00"/>
-              </a:highlight>
-              <a:latin typeface="Yu Gothic" panose="020B0400000000000000" pitchFamily="34" charset="-128"/>
-              <a:ea typeface="Yu Gothic" panose="020B0400000000000000" pitchFamily="34" charset="-128"/>
-            </a:endParaRPr>
-          </a:p>
-          <a:p>
-            <a:pPr lvl="1"/>
-            <a:r>
-              <a:rPr lang="en-US" dirty="0">
-                <a:highlight>
-                  <a:srgbClr val="FFFF00"/>
-                </a:highlight>
-                <a:latin typeface="Yu Gothic" panose="020B0400000000000000" pitchFamily="34" charset="-128"/>
-                <a:ea typeface="Yu Gothic" panose="020B0400000000000000" pitchFamily="34" charset="-128"/>
-              </a:rPr>
-              <a:t>B. thetaiotaomicron</a:t>
-            </a:r>
-          </a:p>
-          <a:p>
-            <a:pPr lvl="1"/>
-            <a:r>
-              <a:rPr lang="en-US" dirty="0">
-                <a:highlight>
-                  <a:srgbClr val="FFFF00"/>
-                </a:highlight>
-                <a:latin typeface="Yu Gothic" panose="020B0400000000000000" pitchFamily="34" charset="-128"/>
-                <a:ea typeface="Yu Gothic" panose="020B0400000000000000" pitchFamily="34" charset="-128"/>
-              </a:rPr>
-              <a:t>B. </a:t>
-            </a:r>
-            <a:r>
-              <a:rPr lang="en-US" dirty="0" err="1">
-                <a:highlight>
-                  <a:srgbClr val="FFFF00"/>
-                </a:highlight>
-                <a:latin typeface="Yu Gothic" panose="020B0400000000000000" pitchFamily="34" charset="-128"/>
-                <a:ea typeface="Yu Gothic" panose="020B0400000000000000" pitchFamily="34" charset="-128"/>
-              </a:rPr>
-              <a:t>xylanisolvens</a:t>
-            </a:r>
-            <a:endParaRPr lang="en-US" dirty="0">
-              <a:highlight>
-                <a:srgbClr val="FFFF00"/>
-              </a:highlight>
-              <a:latin typeface="Yu Gothic" panose="020B0400000000000000" pitchFamily="34" charset="-128"/>
-              <a:ea typeface="Yu Gothic" panose="020B0400000000000000" pitchFamily="34" charset="-128"/>
-            </a:endParaRPr>
-          </a:p>
-          <a:p>
-            <a:pPr lvl="1"/>
-            <a:r>
-              <a:rPr lang="en-US" dirty="0">
-                <a:highlight>
-                  <a:srgbClr val="FFFF00"/>
-                </a:highlight>
-                <a:latin typeface="Yu Gothic" panose="020B0400000000000000" pitchFamily="34" charset="-128"/>
-                <a:ea typeface="Yu Gothic" panose="020B0400000000000000" pitchFamily="34" charset="-128"/>
-              </a:rPr>
-              <a:t>B. </a:t>
-            </a:r>
-            <a:r>
-              <a:rPr lang="en-US" dirty="0" err="1">
-                <a:highlight>
-                  <a:srgbClr val="FFFF00"/>
-                </a:highlight>
-                <a:latin typeface="Yu Gothic" panose="020B0400000000000000" pitchFamily="34" charset="-128"/>
-                <a:ea typeface="Yu Gothic" panose="020B0400000000000000" pitchFamily="34" charset="-128"/>
-              </a:rPr>
-              <a:t>intestinihominis</a:t>
-            </a:r>
-            <a:endParaRPr lang="en-US" dirty="0">
-              <a:highlight>
-                <a:srgbClr val="FFFF00"/>
-              </a:highlight>
-              <a:latin typeface="Yu Gothic" panose="020B0400000000000000" pitchFamily="34" charset="-128"/>
-              <a:ea typeface="Yu Gothic" panose="020B0400000000000000" pitchFamily="34" charset="-128"/>
-            </a:endParaRPr>
-          </a:p>
-          <a:p>
-            <a:pPr lvl="1"/>
-            <a:r>
-              <a:rPr lang="en-US" dirty="0">
-                <a:highlight>
-                  <a:srgbClr val="FFFF00"/>
-                </a:highlight>
-                <a:latin typeface="Yu Gothic" panose="020B0400000000000000" pitchFamily="34" charset="-128"/>
-                <a:ea typeface="Yu Gothic" panose="020B0400000000000000" pitchFamily="34" charset="-128"/>
-              </a:rPr>
-              <a:t>P. </a:t>
-            </a:r>
-            <a:r>
-              <a:rPr lang="en-US" dirty="0" err="1">
-                <a:highlight>
-                  <a:srgbClr val="FFFF00"/>
-                </a:highlight>
-                <a:latin typeface="Yu Gothic" panose="020B0400000000000000" pitchFamily="34" charset="-128"/>
-                <a:ea typeface="Yu Gothic" panose="020B0400000000000000" pitchFamily="34" charset="-128"/>
-              </a:rPr>
-              <a:t>distasonis</a:t>
-            </a:r>
-            <a:endParaRPr lang="en-US" dirty="0">
-              <a:highlight>
-                <a:srgbClr val="FFFF00"/>
-              </a:highlight>
-              <a:latin typeface="Yu Gothic" panose="020B0400000000000000" pitchFamily="34" charset="-128"/>
-              <a:ea typeface="Yu Gothic" panose="020B0400000000000000" pitchFamily="34" charset="-128"/>
-            </a:endParaRPr>
-          </a:p>
-          <a:p>
-            <a:pPr lvl="1"/>
-            <a:r>
-              <a:rPr lang="en-US" dirty="0">
-                <a:latin typeface="Yu Gothic" panose="020B0400000000000000" pitchFamily="34" charset="-128"/>
-                <a:ea typeface="Yu Gothic" panose="020B0400000000000000" pitchFamily="34" charset="-128"/>
-              </a:rPr>
-              <a:t>P. </a:t>
-            </a:r>
-            <a:r>
-              <a:rPr lang="en-US" dirty="0" err="1">
-                <a:latin typeface="Yu Gothic" panose="020B0400000000000000" pitchFamily="34" charset="-128"/>
-                <a:ea typeface="Yu Gothic" panose="020B0400000000000000" pitchFamily="34" charset="-128"/>
-              </a:rPr>
-              <a:t>merdae</a:t>
-            </a:r>
-            <a:r>
-              <a:rPr lang="en-US" dirty="0">
-                <a:latin typeface="Yu Gothic" panose="020B0400000000000000" pitchFamily="34" charset="-128"/>
-                <a:ea typeface="Yu Gothic" panose="020B0400000000000000" pitchFamily="34" charset="-128"/>
-              </a:rPr>
-              <a:t> – Taking a long time to resolve, not sure why</a:t>
-            </a:r>
-          </a:p>
-          <a:p>
-            <a:endParaRPr lang="en-US" dirty="0"/>
-          </a:p>
-        </p:txBody>
-      </p:sp>
+              <a:t>Figure to include?</a:t>
+            </a:r>
+          </a:p>
+        </p:txBody>
+      </p:sp>
+      <p:pic>
+        <p:nvPicPr>
+          <p:cNvPr id="3" name="Picture 2" descr="Chart&#10;&#10;Description automatically generated">
+            <a:extLst>
+              <a:ext uri="{FF2B5EF4-FFF2-40B4-BE49-F238E27FC236}">
+                <a16:creationId xmlns:a16="http://schemas.microsoft.com/office/drawing/2014/main" id="{B7731CCF-87A6-63AA-F2F1-769292ADE48D}"/>
+              </a:ext>
+            </a:extLst>
+          </p:cNvPr>
+          <p:cNvPicPr>
+            <a:picLocks noChangeAspect="1"/>
+          </p:cNvPicPr>
+          <p:nvPr/>
+        </p:nvPicPr>
+        <p:blipFill>
+          <a:blip r:embed="rId2">
+            <a:extLst>
+              <a:ext uri="{28A0092B-C50C-407E-A947-70E740481C1C}">
+                <a14:useLocalDpi xmlns:a14="http://schemas.microsoft.com/office/drawing/2010/main" val="0"/>
+              </a:ext>
+            </a:extLst>
+          </a:blip>
+          <a:stretch>
+            <a:fillRect/>
+          </a:stretch>
+        </p:blipFill>
+        <p:spPr>
+          <a:xfrm>
+            <a:off x="450218" y="1298035"/>
+            <a:ext cx="11291564" cy="5893781"/>
+          </a:xfrm>
+          <a:prstGeom prst="rect">
+            <a:avLst/>
+          </a:prstGeom>
+        </p:spPr>
+      </p:pic>
     </p:spTree>
     <p:extLst>
       <p:ext uri="{BB962C8B-B14F-4D97-AF65-F5344CB8AC3E}">
-        <p14:creationId xmlns:p14="http://schemas.microsoft.com/office/powerpoint/2010/main" val="1270107972"/>
+        <p14:creationId xmlns:p14="http://schemas.microsoft.com/office/powerpoint/2010/main" val="3070443774"/>
       </p:ext>
     </p:extLst>
   </p:cSld>
@@ -5516,7 +6447,7 @@
           <p:cNvPr id="2" name="Title 1">
             <a:extLst>
               <a:ext uri="{FF2B5EF4-FFF2-40B4-BE49-F238E27FC236}">
-                <a16:creationId xmlns:a16="http://schemas.microsoft.com/office/drawing/2014/main" id="{DDECB1F4-193F-9752-CBCE-13D62BD690F0}"/>
+                <a16:creationId xmlns:a16="http://schemas.microsoft.com/office/drawing/2014/main" id="{5DD6B107-B951-60CE-2062-5F1DB2585525}"/>
               </a:ext>
             </a:extLst>
           </p:cNvPr>
@@ -5534,55 +6465,227 @@
           <a:p>
             <a:r>
               <a:rPr lang="en-US" dirty="0"/>
+              <a:t>Likelihood Surface</a:t>
+            </a:r>
+          </a:p>
+        </p:txBody>
+      </p:sp>
+      <p:sp>
+        <p:nvSpPr>
+          <p:cNvPr id="4" name="Content Placeholder 3">
+            <a:extLst>
+              <a:ext uri="{FF2B5EF4-FFF2-40B4-BE49-F238E27FC236}">
+                <a16:creationId xmlns:a16="http://schemas.microsoft.com/office/drawing/2014/main" id="{C6AA128A-CDE8-10DA-588A-2516AF4D6F39}"/>
+              </a:ext>
+            </a:extLst>
+          </p:cNvPr>
+          <p:cNvSpPr>
+            <a:spLocks noGrp="1"/>
+          </p:cNvSpPr>
+          <p:nvPr>
+            <p:ph idx="1"/>
+          </p:nvPr>
+        </p:nvSpPr>
+        <p:spPr/>
+        <p:txBody>
+          <a:bodyPr/>
+          <a:lstStyle/>
+          <a:p>
+            <a:pPr lvl="1"/>
+            <a:r>
+              <a:rPr lang="en-US" dirty="0">
+                <a:highlight>
+                  <a:srgbClr val="FFFF00"/>
+                </a:highlight>
+                <a:latin typeface="Yu Gothic" panose="020B0400000000000000" pitchFamily="34" charset="-128"/>
+                <a:ea typeface="Yu Gothic" panose="020B0400000000000000" pitchFamily="34" charset="-128"/>
+              </a:rPr>
               <a:t>A. </a:t>
             </a:r>
             <a:r>
-              <a:rPr lang="en-US" dirty="0" err="1"/>
+              <a:rPr lang="en-US" dirty="0" err="1">
+                <a:highlight>
+                  <a:srgbClr val="FFFF00"/>
+                </a:highlight>
+                <a:latin typeface="Yu Gothic" panose="020B0400000000000000" pitchFamily="34" charset="-128"/>
+                <a:ea typeface="Yu Gothic" panose="020B0400000000000000" pitchFamily="34" charset="-128"/>
+              </a:rPr>
               <a:t>muciniphila</a:t>
             </a:r>
+            <a:endParaRPr lang="en-US" dirty="0">
+              <a:highlight>
+                <a:srgbClr val="FFFF00"/>
+              </a:highlight>
+              <a:latin typeface="Yu Gothic" panose="020B0400000000000000" pitchFamily="34" charset="-128"/>
+              <a:ea typeface="Yu Gothic" panose="020B0400000000000000" pitchFamily="34" charset="-128"/>
+            </a:endParaRPr>
+          </a:p>
+          <a:p>
+            <a:pPr lvl="1"/>
+            <a:r>
+              <a:rPr lang="en-US" dirty="0">
+                <a:highlight>
+                  <a:srgbClr val="FFFF00"/>
+                </a:highlight>
+                <a:latin typeface="Yu Gothic" panose="020B0400000000000000" pitchFamily="34" charset="-128"/>
+                <a:ea typeface="Yu Gothic" panose="020B0400000000000000" pitchFamily="34" charset="-128"/>
+              </a:rPr>
+              <a:t>A. </a:t>
+            </a:r>
+            <a:r>
+              <a:rPr lang="en-US" dirty="0" err="1">
+                <a:highlight>
+                  <a:srgbClr val="FFFF00"/>
+                </a:highlight>
+                <a:latin typeface="Yu Gothic" panose="020B0400000000000000" pitchFamily="34" charset="-128"/>
+                <a:ea typeface="Yu Gothic" panose="020B0400000000000000" pitchFamily="34" charset="-128"/>
+              </a:rPr>
+              <a:t>onderdonkii</a:t>
+            </a:r>
+            <a:endParaRPr lang="en-US" dirty="0">
+              <a:highlight>
+                <a:srgbClr val="FFFF00"/>
+              </a:highlight>
+              <a:latin typeface="Yu Gothic" panose="020B0400000000000000" pitchFamily="34" charset="-128"/>
+              <a:ea typeface="Yu Gothic" panose="020B0400000000000000" pitchFamily="34" charset="-128"/>
+            </a:endParaRPr>
+          </a:p>
+          <a:p>
+            <a:pPr lvl="1"/>
+            <a:r>
+              <a:rPr lang="en-US" dirty="0">
+                <a:highlight>
+                  <a:srgbClr val="FFFF00"/>
+                </a:highlight>
+                <a:latin typeface="Yu Gothic" panose="020B0400000000000000" pitchFamily="34" charset="-128"/>
+                <a:ea typeface="Yu Gothic" panose="020B0400000000000000" pitchFamily="34" charset="-128"/>
+              </a:rPr>
+              <a:t>B. thetaiotaomicron</a:t>
+            </a:r>
+          </a:p>
+          <a:p>
+            <a:pPr lvl="1"/>
+            <a:r>
+              <a:rPr lang="en-US" dirty="0">
+                <a:highlight>
+                  <a:srgbClr val="FFFF00"/>
+                </a:highlight>
+                <a:latin typeface="Yu Gothic" panose="020B0400000000000000" pitchFamily="34" charset="-128"/>
+                <a:ea typeface="Yu Gothic" panose="020B0400000000000000" pitchFamily="34" charset="-128"/>
+              </a:rPr>
+              <a:t>B. </a:t>
+            </a:r>
+            <a:r>
+              <a:rPr lang="en-US" dirty="0" err="1">
+                <a:highlight>
+                  <a:srgbClr val="FFFF00"/>
+                </a:highlight>
+                <a:latin typeface="Yu Gothic" panose="020B0400000000000000" pitchFamily="34" charset="-128"/>
+                <a:ea typeface="Yu Gothic" panose="020B0400000000000000" pitchFamily="34" charset="-128"/>
+              </a:rPr>
+              <a:t>xylanisolvens</a:t>
+            </a:r>
+            <a:endParaRPr lang="en-US" dirty="0">
+              <a:highlight>
+                <a:srgbClr val="FFFF00"/>
+              </a:highlight>
+              <a:latin typeface="Yu Gothic" panose="020B0400000000000000" pitchFamily="34" charset="-128"/>
+              <a:ea typeface="Yu Gothic" panose="020B0400000000000000" pitchFamily="34" charset="-128"/>
+            </a:endParaRPr>
+          </a:p>
+          <a:p>
+            <a:pPr lvl="1"/>
+            <a:r>
+              <a:rPr lang="en-US" dirty="0">
+                <a:highlight>
+                  <a:srgbClr val="FFFF00"/>
+                </a:highlight>
+                <a:latin typeface="Yu Gothic" panose="020B0400000000000000" pitchFamily="34" charset="-128"/>
+                <a:ea typeface="Yu Gothic" panose="020B0400000000000000" pitchFamily="34" charset="-128"/>
+              </a:rPr>
+              <a:t>B. </a:t>
+            </a:r>
+            <a:r>
+              <a:rPr lang="en-US" dirty="0" err="1">
+                <a:highlight>
+                  <a:srgbClr val="FFFF00"/>
+                </a:highlight>
+                <a:latin typeface="Yu Gothic" panose="020B0400000000000000" pitchFamily="34" charset="-128"/>
+                <a:ea typeface="Yu Gothic" panose="020B0400000000000000" pitchFamily="34" charset="-128"/>
+              </a:rPr>
+              <a:t>intestinihominis</a:t>
+            </a:r>
+            <a:endParaRPr lang="en-US" dirty="0">
+              <a:highlight>
+                <a:srgbClr val="FFFF00"/>
+              </a:highlight>
+              <a:latin typeface="Yu Gothic" panose="020B0400000000000000" pitchFamily="34" charset="-128"/>
+              <a:ea typeface="Yu Gothic" panose="020B0400000000000000" pitchFamily="34" charset="-128"/>
+            </a:endParaRPr>
+          </a:p>
+          <a:p>
+            <a:pPr lvl="1"/>
+            <a:r>
+              <a:rPr lang="en-US" dirty="0">
+                <a:highlight>
+                  <a:srgbClr val="FFFF00"/>
+                </a:highlight>
+                <a:latin typeface="Yu Gothic" panose="020B0400000000000000" pitchFamily="34" charset="-128"/>
+                <a:ea typeface="Yu Gothic" panose="020B0400000000000000" pitchFamily="34" charset="-128"/>
+              </a:rPr>
+              <a:t>P. </a:t>
+            </a:r>
+            <a:r>
+              <a:rPr lang="en-US" dirty="0" err="1">
+                <a:highlight>
+                  <a:srgbClr val="FFFF00"/>
+                </a:highlight>
+                <a:latin typeface="Yu Gothic" panose="020B0400000000000000" pitchFamily="34" charset="-128"/>
+                <a:ea typeface="Yu Gothic" panose="020B0400000000000000" pitchFamily="34" charset="-128"/>
+              </a:rPr>
+              <a:t>distasonis</a:t>
+            </a:r>
+            <a:endParaRPr lang="en-US" dirty="0">
+              <a:highlight>
+                <a:srgbClr val="FFFF00"/>
+              </a:highlight>
+              <a:latin typeface="Yu Gothic" panose="020B0400000000000000" pitchFamily="34" charset="-128"/>
+              <a:ea typeface="Yu Gothic" panose="020B0400000000000000" pitchFamily="34" charset="-128"/>
+            </a:endParaRPr>
+          </a:p>
+          <a:p>
+            <a:pPr lvl="1"/>
+            <a:r>
+              <a:rPr lang="en-US" dirty="0">
+                <a:latin typeface="Yu Gothic" panose="020B0400000000000000" pitchFamily="34" charset="-128"/>
+                <a:ea typeface="Yu Gothic" panose="020B0400000000000000" pitchFamily="34" charset="-128"/>
+              </a:rPr>
+              <a:t>P. </a:t>
+            </a:r>
+            <a:r>
+              <a:rPr lang="en-US" dirty="0" err="1">
+                <a:latin typeface="Yu Gothic" panose="020B0400000000000000" pitchFamily="34" charset="-128"/>
+                <a:ea typeface="Yu Gothic" panose="020B0400000000000000" pitchFamily="34" charset="-128"/>
+              </a:rPr>
+              <a:t>merdae</a:t>
+            </a:r>
+            <a:r>
+              <a:rPr lang="en-US" dirty="0">
+                <a:latin typeface="Yu Gothic" panose="020B0400000000000000" pitchFamily="34" charset="-128"/>
+                <a:ea typeface="Yu Gothic" panose="020B0400000000000000" pitchFamily="34" charset="-128"/>
+              </a:rPr>
+              <a:t> – Taking a long time to resolve, not sure why</a:t>
+            </a:r>
+          </a:p>
+          <a:p>
             <a:endParaRPr lang="en-US" dirty="0"/>
           </a:p>
         </p:txBody>
       </p:sp>
-      <p:pic>
-        <p:nvPicPr>
-          <p:cNvPr id="5" name="Content Placeholder 4" descr="Chart, histogram&#10;&#10;Description automatically generated">
-            <a:extLst>
-              <a:ext uri="{FF2B5EF4-FFF2-40B4-BE49-F238E27FC236}">
-                <a16:creationId xmlns:a16="http://schemas.microsoft.com/office/drawing/2014/main" id="{2488A0D0-4397-38A8-8098-761E376F1105}"/>
-              </a:ext>
-            </a:extLst>
-          </p:cNvPr>
-          <p:cNvPicPr>
-            <a:picLocks noGrp="1" noChangeAspect="1"/>
-          </p:cNvPicPr>
-          <p:nvPr>
-            <p:ph idx="1"/>
-          </p:nvPr>
-        </p:nvPicPr>
-        <p:blipFill>
-          <a:blip r:embed="rId2">
-            <a:extLst>
-              <a:ext uri="{28A0092B-C50C-407E-A947-70E740481C1C}">
-                <a14:useLocalDpi xmlns:a14="http://schemas.microsoft.com/office/drawing/2010/main" val="0"/>
-              </a:ext>
-            </a:extLst>
-          </a:blip>
-          <a:stretch>
-            <a:fillRect/>
-          </a:stretch>
-        </p:blipFill>
-        <p:spPr>
-          <a:xfrm>
-            <a:off x="3195108" y="1825625"/>
-            <a:ext cx="5801784" cy="4351338"/>
-          </a:xfrm>
-        </p:spPr>
-      </p:pic>
     </p:spTree>
     <p:extLst>
       <p:ext uri="{BB962C8B-B14F-4D97-AF65-F5344CB8AC3E}">
-        <p14:creationId xmlns:p14="http://schemas.microsoft.com/office/powerpoint/2010/main" val="1981462907"/>
+        <p14:creationId xmlns:p14="http://schemas.microsoft.com/office/powerpoint/2010/main" val="1270107972"/>
       </p:ext>
     </p:extLst>
   </p:cSld>
@@ -5636,7 +6739,7 @@
             </a:r>
             <a:r>
               <a:rPr lang="en-US" dirty="0" err="1"/>
-              <a:t>onderdonkii</a:t>
+              <a:t>muciniphila</a:t>
             </a:r>
             <a:endParaRPr lang="en-US" dirty="0"/>
           </a:p>
@@ -5644,10 +6747,10 @@
       </p:sp>
       <p:pic>
         <p:nvPicPr>
-          <p:cNvPr id="5" name="Content Placeholder 4" descr="Chart&#10;&#10;Description automatically generated">
-            <a:extLst>
-              <a:ext uri="{FF2B5EF4-FFF2-40B4-BE49-F238E27FC236}">
-                <a16:creationId xmlns:a16="http://schemas.microsoft.com/office/drawing/2014/main" id="{6BE5D954-3B4A-D5EC-60CF-83E2C9D6840A}"/>
+          <p:cNvPr id="5" name="Content Placeholder 4" descr="Chart, histogram&#10;&#10;Description automatically generated">
+            <a:extLst>
+              <a:ext uri="{FF2B5EF4-FFF2-40B4-BE49-F238E27FC236}">
+                <a16:creationId xmlns:a16="http://schemas.microsoft.com/office/drawing/2014/main" id="{2488A0D0-4397-38A8-8098-761E376F1105}"/>
               </a:ext>
             </a:extLst>
           </p:cNvPr>
@@ -5677,10 +6780,136 @@
           </a:xfrm>
         </p:spPr>
       </p:pic>
+      <p:sp>
+        <p:nvSpPr>
+          <p:cNvPr id="3" name="TextBox 2">
+            <a:extLst>
+              <a:ext uri="{FF2B5EF4-FFF2-40B4-BE49-F238E27FC236}">
+                <a16:creationId xmlns:a16="http://schemas.microsoft.com/office/drawing/2014/main" id="{7D1EA5D0-E5F6-82CE-2110-5232020FBBA2}"/>
+              </a:ext>
+            </a:extLst>
+          </p:cNvPr>
+          <p:cNvSpPr txBox="1"/>
+          <p:nvPr/>
+        </p:nvSpPr>
+        <p:spPr>
+          <a:xfrm>
+            <a:off x="8808300" y="1027906"/>
+            <a:ext cx="2950488" cy="4524315"/>
+          </a:xfrm>
+          <a:prstGeom prst="rect">
+            <a:avLst/>
+          </a:prstGeom>
+          <a:noFill/>
+          <a:ln w="76200">
+            <a:solidFill>
+              <a:srgbClr val="FF0000"/>
+            </a:solidFill>
+          </a:ln>
+        </p:spPr>
+        <p:txBody>
+          <a:bodyPr wrap="none" rtlCol="0">
+            <a:spAutoFit/>
+          </a:bodyPr>
+          <a:lstStyle/>
+          <a:p>
+            <a:r>
+              <a:rPr lang="en-US" dirty="0"/>
+              <a:t>Kirk suggests taking</a:t>
+            </a:r>
+          </a:p>
+          <a:p>
+            <a:r>
+              <a:rPr lang="en-US" dirty="0"/>
+              <a:t>A closer look at a singular</a:t>
+            </a:r>
+          </a:p>
+          <a:p>
+            <a:r>
+              <a:rPr lang="en-US" dirty="0"/>
+              <a:t>Species to have better initial</a:t>
+            </a:r>
+          </a:p>
+          <a:p>
+            <a:r>
+              <a:rPr lang="en-US" dirty="0"/>
+              <a:t>For MLE’s</a:t>
+            </a:r>
+          </a:p>
+          <a:p>
+            <a:endParaRPr lang="en-US" dirty="0"/>
+          </a:p>
+          <a:p>
+            <a:endParaRPr lang="en-US" dirty="0"/>
+          </a:p>
+          <a:p>
+            <a:r>
+              <a:rPr lang="en-US" dirty="0"/>
+              <a:t>Of note, the ridge pattern</a:t>
+            </a:r>
+          </a:p>
+          <a:p>
+            <a:r>
+              <a:rPr lang="en-US" dirty="0"/>
+              <a:t>Is counter to what we might</a:t>
+            </a:r>
+          </a:p>
+          <a:p>
+            <a:r>
+              <a:rPr lang="en-US" dirty="0"/>
+              <a:t>Expect </a:t>
+            </a:r>
+            <a:r>
+              <a:rPr lang="en-US" i="1" dirty="0"/>
+              <a:t>a priori,</a:t>
+            </a:r>
+            <a:r>
+              <a:rPr lang="en-US" dirty="0"/>
+              <a:t> i.e., we would</a:t>
+            </a:r>
+          </a:p>
+          <a:p>
+            <a:r>
+              <a:rPr lang="en-US" dirty="0"/>
+              <a:t>Expect that the ridge should</a:t>
+            </a:r>
+          </a:p>
+          <a:p>
+            <a:r>
+              <a:rPr lang="en-US" dirty="0"/>
+              <a:t>Top left to bottom right.</a:t>
+            </a:r>
+          </a:p>
+          <a:p>
+            <a:endParaRPr lang="en-US" dirty="0"/>
+          </a:p>
+          <a:p>
+            <a:endParaRPr lang="en-US" dirty="0"/>
+          </a:p>
+          <a:p>
+            <a:r>
+              <a:rPr lang="en-US" dirty="0"/>
+              <a:t>Big contraction + small time</a:t>
+            </a:r>
+          </a:p>
+          <a:p>
+            <a:r>
+              <a:rPr lang="en-US" dirty="0"/>
+              <a:t>	==</a:t>
+            </a:r>
+          </a:p>
+          <a:p>
+            <a:r>
+              <a:rPr lang="en-US" dirty="0"/>
+              <a:t>Small contraction + big time</a:t>
+            </a:r>
+          </a:p>
+        </p:txBody>
+      </p:sp>
     </p:spTree>
     <p:extLst>
       <p:ext uri="{BB962C8B-B14F-4D97-AF65-F5344CB8AC3E}">
-        <p14:creationId xmlns:p14="http://schemas.microsoft.com/office/powerpoint/2010/main" val="2320380963"/>
+        <p14:creationId xmlns:p14="http://schemas.microsoft.com/office/powerpoint/2010/main" val="1981462907"/>
       </p:ext>
     </p:extLst>
   </p:cSld>
@@ -5730,17 +6959,22 @@
           <a:p>
             <a:r>
               <a:rPr lang="en-US" dirty="0"/>
-              <a:t>B. thetaiotaomicron</a:t>
-            </a:r>
+              <a:t>A. </a:t>
+            </a:r>
+            <a:r>
+              <a:rPr lang="en-US" dirty="0" err="1"/>
+              <a:t>onderdonkii</a:t>
+            </a:r>
+            <a:endParaRPr lang="en-US" dirty="0"/>
           </a:p>
         </p:txBody>
       </p:sp>
       <p:pic>
         <p:nvPicPr>
-          <p:cNvPr id="5" name="Content Placeholder 4" descr="Chart, histogram&#10;&#10;Description automatically generated">
-            <a:extLst>
-              <a:ext uri="{FF2B5EF4-FFF2-40B4-BE49-F238E27FC236}">
-                <a16:creationId xmlns:a16="http://schemas.microsoft.com/office/drawing/2014/main" id="{52AF2059-0CE3-2004-15D2-DB546AF3E31F}"/>
+          <p:cNvPr id="5" name="Content Placeholder 4" descr="Chart&#10;&#10;Description automatically generated">
+            <a:extLst>
+              <a:ext uri="{FF2B5EF4-FFF2-40B4-BE49-F238E27FC236}">
+                <a16:creationId xmlns:a16="http://schemas.microsoft.com/office/drawing/2014/main" id="{6BE5D954-3B4A-D5EC-60CF-83E2C9D6840A}"/>
               </a:ext>
             </a:extLst>
           </p:cNvPr>
@@ -5773,7 +7007,7 @@
     </p:spTree>
     <p:extLst>
       <p:ext uri="{BB962C8B-B14F-4D97-AF65-F5344CB8AC3E}">
-        <p14:creationId xmlns:p14="http://schemas.microsoft.com/office/powerpoint/2010/main" val="3324974773"/>
+        <p14:creationId xmlns:p14="http://schemas.microsoft.com/office/powerpoint/2010/main" val="2320380963"/>
       </p:ext>
     </p:extLst>
   </p:cSld>
@@ -5823,22 +7057,17 @@
           <a:p>
             <a:r>
               <a:rPr lang="en-US" dirty="0"/>
-              <a:t>B. </a:t>
-            </a:r>
-            <a:r>
-              <a:rPr lang="en-US" dirty="0" err="1"/>
-              <a:t>xylanisolvens</a:t>
-            </a:r>
-            <a:endParaRPr lang="en-US" dirty="0"/>
+              <a:t>B. thetaiotaomicron</a:t>
+            </a:r>
           </a:p>
         </p:txBody>
       </p:sp>
       <p:pic>
         <p:nvPicPr>
-          <p:cNvPr id="5" name="Content Placeholder 4" descr="A picture containing chart&#10;&#10;Description automatically generated">
-            <a:extLst>
-              <a:ext uri="{FF2B5EF4-FFF2-40B4-BE49-F238E27FC236}">
-                <a16:creationId xmlns:a16="http://schemas.microsoft.com/office/drawing/2014/main" id="{5D9B97FD-4105-677B-8846-BCD8B3A9AEE6}"/>
+          <p:cNvPr id="5" name="Content Placeholder 4" descr="Chart, histogram&#10;&#10;Description automatically generated">
+            <a:extLst>
+              <a:ext uri="{FF2B5EF4-FFF2-40B4-BE49-F238E27FC236}">
+                <a16:creationId xmlns:a16="http://schemas.microsoft.com/office/drawing/2014/main" id="{52AF2059-0CE3-2004-15D2-DB546AF3E31F}"/>
               </a:ext>
             </a:extLst>
           </p:cNvPr>
@@ -5871,7 +7100,7 @@
     </p:spTree>
     <p:extLst>
       <p:ext uri="{BB962C8B-B14F-4D97-AF65-F5344CB8AC3E}">
-        <p14:creationId xmlns:p14="http://schemas.microsoft.com/office/powerpoint/2010/main" val="1098799274"/>
+        <p14:creationId xmlns:p14="http://schemas.microsoft.com/office/powerpoint/2010/main" val="3324974773"/>
       </p:ext>
     </p:extLst>
   </p:cSld>
@@ -5925,7 +7154,7 @@
             </a:r>
             <a:r>
               <a:rPr lang="en-US" dirty="0" err="1"/>
-              <a:t>intestinihominis</a:t>
+              <a:t>xylanisolvens</a:t>
             </a:r>
             <a:endParaRPr lang="en-US" dirty="0"/>
           </a:p>
@@ -5933,10 +7162,10 @@
       </p:sp>
       <p:pic>
         <p:nvPicPr>
-          <p:cNvPr id="5" name="Content Placeholder 4" descr="Chart&#10;&#10;Description automatically generated">
-            <a:extLst>
-              <a:ext uri="{FF2B5EF4-FFF2-40B4-BE49-F238E27FC236}">
-                <a16:creationId xmlns:a16="http://schemas.microsoft.com/office/drawing/2014/main" id="{D4D47DED-CF73-A33C-F093-2794C363B7D9}"/>
+          <p:cNvPr id="5" name="Content Placeholder 4" descr="A picture containing chart&#10;&#10;Description automatically generated">
+            <a:extLst>
+              <a:ext uri="{FF2B5EF4-FFF2-40B4-BE49-F238E27FC236}">
+                <a16:creationId xmlns:a16="http://schemas.microsoft.com/office/drawing/2014/main" id="{5D9B97FD-4105-677B-8846-BCD8B3A9AEE6}"/>
               </a:ext>
             </a:extLst>
           </p:cNvPr>
@@ -5969,7 +7198,7 @@
     </p:spTree>
     <p:extLst>
       <p:ext uri="{BB962C8B-B14F-4D97-AF65-F5344CB8AC3E}">
-        <p14:creationId xmlns:p14="http://schemas.microsoft.com/office/powerpoint/2010/main" val="777973639"/>
+        <p14:creationId xmlns:p14="http://schemas.microsoft.com/office/powerpoint/2010/main" val="1098799274"/>
       </p:ext>
     </p:extLst>
   </p:cSld>
